--- a/file/HTML5.pptx
+++ b/file/HTML5.pptx
@@ -8736,29 +8736,7 @@
                 <a:ea typeface="Roboto Condensed"/>
                 <a:sym typeface="Roboto Condensed"/>
               </a:rPr>
-              <a:t>HTML5 </a:t>
-            </a:r>
-            <a:r>
-              <a:rPr lang="th-TH" sz="2400" b="1" dirty="0">
-                <a:solidFill>
-                  <a:srgbClr val="607896"/>
-                </a:solidFill>
-                <a:latin typeface="Roboto Condensed"/>
-                <a:ea typeface="Roboto Condensed"/>
-                <a:sym typeface="Roboto Condensed"/>
-              </a:rPr>
-              <a:t>และ </a:t>
-            </a:r>
-            <a:r>
-              <a:rPr lang="en-US" sz="2400" b="1" dirty="0">
-                <a:solidFill>
-                  <a:srgbClr val="607896"/>
-                </a:solidFill>
-                <a:latin typeface="Roboto Condensed"/>
-                <a:ea typeface="Roboto Condensed"/>
-                <a:sym typeface="Roboto Condensed"/>
-              </a:rPr>
-              <a:t>CSS3</a:t>
+              <a:t>HTML5</a:t>
             </a:r>
             <a:endParaRPr lang="th-TH" sz="2400" b="1" dirty="0">
               <a:solidFill>
@@ -10662,7 +10640,7 @@
                 <a:latin typeface="Oswald"/>
                 <a:sym typeface="Oswald"/>
               </a:rPr>
-              <a:t>เพื่อเพิ่มประสิทธิภารและความสามารถในการทำงานที่หลากหลายขึ้น</a:t>
+              <a:t>เพื่อเพิ่มประสิทธิภาพและความสามารถในการทำงานที่หลากหลายขึ้น</a:t>
             </a:r>
           </a:p>
         </p:txBody>
@@ -11716,7 +11694,7 @@
               <a:tabLst/>
             </a:pPr>
             <a:r>
-              <a:rPr kumimoji="0" lang="en-US" altLang="en-US" sz="1200" b="0" i="0" u="none" strike="noStrike" cap="none" normalizeH="0" baseline="0">
+              <a:rPr kumimoji="0" lang="en-US" altLang="en-US" sz="1200" b="0" i="0" u="none" strike="noStrike" cap="none" normalizeH="0" baseline="0" dirty="0">
                 <a:ln>
                   <a:noFill/>
                 </a:ln>
@@ -11729,7 +11707,7 @@
               <a:t>&lt;</a:t>
             </a:r>
             <a:r>
-              <a:rPr kumimoji="0" lang="en-US" altLang="en-US" sz="1200" b="0" i="0" u="none" strike="noStrike" cap="none" normalizeH="0" baseline="0">
+              <a:rPr kumimoji="0" lang="en-US" altLang="en-US" sz="1200" b="0" i="0" u="none" strike="noStrike" cap="none" normalizeH="0" baseline="0" dirty="0">
                 <a:ln>
                   <a:noFill/>
                 </a:ln>
@@ -11742,7 +11720,7 @@
               <a:t>input </a:t>
             </a:r>
             <a:r>
-              <a:rPr kumimoji="0" lang="en-US" altLang="en-US" sz="1200" b="0" i="0" u="none" strike="noStrike" cap="none" normalizeH="0" baseline="0">
+              <a:rPr kumimoji="0" lang="en-US" altLang="en-US" sz="1200" b="0" i="0" u="none" strike="noStrike" cap="none" normalizeH="0" baseline="0" dirty="0">
                 <a:ln>
                   <a:noFill/>
                 </a:ln>
@@ -11755,7 +11733,7 @@
               <a:t>type</a:t>
             </a:r>
             <a:r>
-              <a:rPr kumimoji="0" lang="en-US" altLang="en-US" sz="1200" b="0" i="0" u="none" strike="noStrike" cap="none" normalizeH="0" baseline="0">
+              <a:rPr kumimoji="0" lang="en-US" altLang="en-US" sz="1200" b="0" i="0" u="none" strike="noStrike" cap="none" normalizeH="0" baseline="0" dirty="0">
                 <a:ln>
                   <a:noFill/>
                 </a:ln>
@@ -11768,7 +11746,7 @@
               <a:t>="</a:t>
             </a:r>
             <a:r>
-              <a:rPr kumimoji="0" lang="en-US" altLang="en-US" sz="1200" b="0" i="0" u="none" strike="noStrike" cap="none" normalizeH="0" baseline="0">
+              <a:rPr kumimoji="0" lang="en-US" altLang="en-US" sz="1200" b="0" i="0" u="none" strike="noStrike" cap="none" normalizeH="0" baseline="0" dirty="0">
                 <a:ln>
                   <a:noFill/>
                 </a:ln>
@@ -11781,7 +11759,7 @@
               <a:t>color</a:t>
             </a:r>
             <a:r>
-              <a:rPr kumimoji="0" lang="en-US" altLang="en-US" sz="1200" b="0" i="0" u="none" strike="noStrike" cap="none" normalizeH="0" baseline="0">
+              <a:rPr kumimoji="0" lang="en-US" altLang="en-US" sz="1200" b="0" i="0" u="none" strike="noStrike" cap="none" normalizeH="0" baseline="0" dirty="0">
                 <a:ln>
                   <a:noFill/>
                 </a:ln>
@@ -11794,7 +11772,7 @@
               <a:t>"</a:t>
             </a:r>
             <a:r>
-              <a:rPr kumimoji="0" lang="en-US" altLang="en-US" sz="1200" b="0" i="0" u="none" strike="noStrike" cap="none" normalizeH="0" baseline="0">
+              <a:rPr kumimoji="0" lang="en-US" altLang="en-US" sz="1200" b="0" i="0" u="none" strike="noStrike" cap="none" normalizeH="0" baseline="0" dirty="0">
                 <a:ln>
                   <a:noFill/>
                 </a:ln>
@@ -11807,7 +11785,7 @@
               <a:t> </a:t>
             </a:r>
             <a:r>
-              <a:rPr kumimoji="0" lang="en-US" altLang="en-US" sz="1200" b="0" i="0" u="none" strike="noStrike" cap="none" normalizeH="0" baseline="0">
+              <a:rPr kumimoji="0" lang="en-US" altLang="en-US" sz="1200" b="0" i="0" u="none" strike="noStrike" cap="none" normalizeH="0" baseline="0" dirty="0">
                 <a:ln>
                   <a:noFill/>
                 </a:ln>
@@ -11820,7 +11798,7 @@
               <a:t>name</a:t>
             </a:r>
             <a:r>
-              <a:rPr kumimoji="0" lang="en-US" altLang="en-US" sz="1200" b="0" i="0" u="none" strike="noStrike" cap="none" normalizeH="0" baseline="0">
+              <a:rPr kumimoji="0" lang="en-US" altLang="en-US" sz="1200" b="0" i="0" u="none" strike="noStrike" cap="none" normalizeH="0" baseline="0" dirty="0">
                 <a:ln>
                   <a:noFill/>
                 </a:ln>
@@ -11833,7 +11811,7 @@
               <a:t>="</a:t>
             </a:r>
             <a:r>
-              <a:rPr kumimoji="0" lang="en-US" altLang="en-US" sz="1200" b="0" i="0" u="none" strike="noStrike" cap="none" normalizeH="0" baseline="0">
+              <a:rPr kumimoji="0" lang="en-US" altLang="en-US" sz="1200" b="0" i="0" u="none" strike="noStrike" cap="none" normalizeH="0" baseline="0" dirty="0" err="1">
                 <a:ln>
                   <a:noFill/>
                 </a:ln>
@@ -11846,7 +11824,7 @@
               <a:t>favcolor</a:t>
             </a:r>
             <a:r>
-              <a:rPr kumimoji="0" lang="en-US" altLang="en-US" sz="1200" b="0" i="0" u="none" strike="noStrike" cap="none" normalizeH="0" baseline="0">
+              <a:rPr kumimoji="0" lang="en-US" altLang="en-US" sz="1200" b="0" i="0" u="none" strike="noStrike" cap="none" normalizeH="0" baseline="0" dirty="0">
                 <a:ln>
                   <a:noFill/>
                 </a:ln>
@@ -11859,7 +11837,7 @@
               <a:t>"&gt;</a:t>
             </a:r>
             <a:r>
-              <a:rPr kumimoji="0" lang="en-US" altLang="en-US" sz="400" b="0" i="0" u="none" strike="noStrike" cap="none" normalizeH="0" baseline="0">
+              <a:rPr kumimoji="0" lang="en-US" altLang="en-US" sz="400" b="0" i="0" u="none" strike="noStrike" cap="none" normalizeH="0" baseline="0" dirty="0">
                 <a:ln>
                   <a:noFill/>
                 </a:ln>
@@ -11870,7 +11848,7 @@
               </a:rPr>
               <a:t> </a:t>
             </a:r>
-            <a:endParaRPr kumimoji="0" lang="en-US" altLang="en-US" sz="1800" b="0" i="0" u="none" strike="noStrike" cap="none" normalizeH="0" baseline="0">
+            <a:endParaRPr kumimoji="0" lang="en-US" altLang="en-US" sz="1800" b="0" i="0" u="none" strike="noStrike" cap="none" normalizeH="0" baseline="0" dirty="0">
               <a:ln>
                 <a:noFill/>
               </a:ln>
@@ -14308,7 +14286,7 @@
               <a:tabLst/>
             </a:pPr>
             <a:r>
-              <a:rPr kumimoji="0" lang="en-US" altLang="en-US" sz="1200" b="0" i="0" u="none" strike="noStrike" cap="none" normalizeH="0" baseline="0">
+              <a:rPr kumimoji="0" lang="en-US" altLang="en-US" sz="1200" b="0" i="0" u="none" strike="noStrike" cap="none" normalizeH="0" baseline="0" dirty="0">
                 <a:ln>
                   <a:noFill/>
                 </a:ln>
@@ -14321,7 +14299,7 @@
               <a:t>&lt;</a:t>
             </a:r>
             <a:r>
-              <a:rPr kumimoji="0" lang="en-US" altLang="en-US" sz="1200" b="0" i="0" u="none" strike="noStrike" cap="none" normalizeH="0" baseline="0">
+              <a:rPr kumimoji="0" lang="en-US" altLang="en-US" sz="1200" b="0" i="0" u="none" strike="noStrike" cap="none" normalizeH="0" baseline="0" dirty="0">
                 <a:ln>
                   <a:noFill/>
                 </a:ln>
@@ -14334,7 +14312,7 @@
               <a:t>input </a:t>
             </a:r>
             <a:r>
-              <a:rPr kumimoji="0" lang="en-US" altLang="en-US" sz="1200" b="0" i="0" u="none" strike="noStrike" cap="none" normalizeH="0" baseline="0">
+              <a:rPr kumimoji="0" lang="en-US" altLang="en-US" sz="1200" b="0" i="0" u="none" strike="noStrike" cap="none" normalizeH="0" baseline="0" dirty="0">
                 <a:ln>
                   <a:noFill/>
                 </a:ln>
@@ -14347,7 +14325,7 @@
               <a:t>type</a:t>
             </a:r>
             <a:r>
-              <a:rPr kumimoji="0" lang="en-US" altLang="en-US" sz="1200" b="0" i="0" u="none" strike="noStrike" cap="none" normalizeH="0" baseline="0">
+              <a:rPr kumimoji="0" lang="en-US" altLang="en-US" sz="1200" b="0" i="0" u="none" strike="noStrike" cap="none" normalizeH="0" baseline="0" dirty="0">
                 <a:ln>
                   <a:noFill/>
                 </a:ln>
@@ -14360,7 +14338,7 @@
               <a:t>="</a:t>
             </a:r>
             <a:r>
-              <a:rPr kumimoji="0" lang="en-US" altLang="en-US" sz="1200" b="0" i="0" u="none" strike="noStrike" cap="none" normalizeH="0" baseline="0">
+              <a:rPr kumimoji="0" lang="en-US" altLang="en-US" sz="1200" b="0" i="0" u="none" strike="noStrike" cap="none" normalizeH="0" baseline="0" dirty="0">
                 <a:ln>
                   <a:noFill/>
                 </a:ln>
@@ -14373,7 +14351,7 @@
               <a:t>number</a:t>
             </a:r>
             <a:r>
-              <a:rPr kumimoji="0" lang="en-US" altLang="en-US" sz="1200" b="0" i="0" u="none" strike="noStrike" cap="none" normalizeH="0" baseline="0">
+              <a:rPr kumimoji="0" lang="en-US" altLang="en-US" sz="1200" b="0" i="0" u="none" strike="noStrike" cap="none" normalizeH="0" baseline="0" dirty="0">
                 <a:ln>
                   <a:noFill/>
                 </a:ln>
@@ -14386,7 +14364,7 @@
               <a:t>"</a:t>
             </a:r>
             <a:r>
-              <a:rPr kumimoji="0" lang="en-US" altLang="en-US" sz="1200" b="0" i="0" u="none" strike="noStrike" cap="none" normalizeH="0" baseline="0">
+              <a:rPr kumimoji="0" lang="en-US" altLang="en-US" sz="1200" b="0" i="0" u="none" strike="noStrike" cap="none" normalizeH="0" baseline="0" dirty="0">
                 <a:ln>
                   <a:noFill/>
                 </a:ln>
@@ -14399,7 +14377,7 @@
               <a:t> </a:t>
             </a:r>
             <a:r>
-              <a:rPr kumimoji="0" lang="en-US" altLang="en-US" sz="1200" b="0" i="0" u="none" strike="noStrike" cap="none" normalizeH="0" baseline="0">
+              <a:rPr kumimoji="0" lang="en-US" altLang="en-US" sz="1200" b="0" i="0" u="none" strike="noStrike" cap="none" normalizeH="0" baseline="0" dirty="0">
                 <a:ln>
                   <a:noFill/>
                 </a:ln>
@@ -14412,7 +14390,7 @@
               <a:t>name</a:t>
             </a:r>
             <a:r>
-              <a:rPr kumimoji="0" lang="en-US" altLang="en-US" sz="1200" b="0" i="0" u="none" strike="noStrike" cap="none" normalizeH="0" baseline="0">
+              <a:rPr kumimoji="0" lang="en-US" altLang="en-US" sz="1200" b="0" i="0" u="none" strike="noStrike" cap="none" normalizeH="0" baseline="0" dirty="0">
                 <a:ln>
                   <a:noFill/>
                 </a:ln>
@@ -14425,7 +14403,7 @@
               <a:t>="</a:t>
             </a:r>
             <a:r>
-              <a:rPr kumimoji="0" lang="en-US" altLang="en-US" sz="1200" b="0" i="0" u="none" strike="noStrike" cap="none" normalizeH="0" baseline="0">
+              <a:rPr kumimoji="0" lang="en-US" altLang="en-US" sz="1200" b="0" i="0" u="none" strike="noStrike" cap="none" normalizeH="0" baseline="0" dirty="0">
                 <a:ln>
                   <a:noFill/>
                 </a:ln>
@@ -14438,7 +14416,7 @@
               <a:t>quantity</a:t>
             </a:r>
             <a:r>
-              <a:rPr kumimoji="0" lang="en-US" altLang="en-US" sz="1200" b="0" i="0" u="none" strike="noStrike" cap="none" normalizeH="0" baseline="0">
+              <a:rPr kumimoji="0" lang="en-US" altLang="en-US" sz="1200" b="0" i="0" u="none" strike="noStrike" cap="none" normalizeH="0" baseline="0" dirty="0">
                 <a:ln>
                   <a:noFill/>
                 </a:ln>
@@ -14451,7 +14429,7 @@
               <a:t>"</a:t>
             </a:r>
             <a:r>
-              <a:rPr kumimoji="0" lang="en-US" altLang="en-US" sz="1200" b="0" i="0" u="none" strike="noStrike" cap="none" normalizeH="0" baseline="0">
+              <a:rPr kumimoji="0" lang="en-US" altLang="en-US" sz="1200" b="0" i="0" u="none" strike="noStrike" cap="none" normalizeH="0" baseline="0" dirty="0">
                 <a:ln>
                   <a:noFill/>
                 </a:ln>
@@ -14464,7 +14442,7 @@
               <a:t> </a:t>
             </a:r>
             <a:r>
-              <a:rPr kumimoji="0" lang="en-US" altLang="en-US" sz="1200" b="0" i="0" u="none" strike="noStrike" cap="none" normalizeH="0" baseline="0">
+              <a:rPr kumimoji="0" lang="en-US" altLang="en-US" sz="1200" b="0" i="0" u="none" strike="noStrike" cap="none" normalizeH="0" baseline="0" dirty="0">
                 <a:ln>
                   <a:noFill/>
                 </a:ln>
@@ -14477,7 +14455,7 @@
               <a:t>min</a:t>
             </a:r>
             <a:r>
-              <a:rPr kumimoji="0" lang="en-US" altLang="en-US" sz="1200" b="0" i="0" u="none" strike="noStrike" cap="none" normalizeH="0" baseline="0">
+              <a:rPr kumimoji="0" lang="en-US" altLang="en-US" sz="1200" b="0" i="0" u="none" strike="noStrike" cap="none" normalizeH="0" baseline="0" dirty="0">
                 <a:ln>
                   <a:noFill/>
                 </a:ln>
@@ -14490,7 +14468,7 @@
               <a:t>="</a:t>
             </a:r>
             <a:r>
-              <a:rPr kumimoji="0" lang="en-US" altLang="en-US" sz="1200" b="0" i="0" u="none" strike="noStrike" cap="none" normalizeH="0" baseline="0">
+              <a:rPr kumimoji="0" lang="en-US" altLang="en-US" sz="1200" b="0" i="0" u="none" strike="noStrike" cap="none" normalizeH="0" baseline="0" dirty="0">
                 <a:ln>
                   <a:noFill/>
                 </a:ln>
@@ -14503,7 +14481,7 @@
               <a:t>1</a:t>
             </a:r>
             <a:r>
-              <a:rPr kumimoji="0" lang="en-US" altLang="en-US" sz="1200" b="0" i="0" u="none" strike="noStrike" cap="none" normalizeH="0" baseline="0">
+              <a:rPr kumimoji="0" lang="en-US" altLang="en-US" sz="1200" b="0" i="0" u="none" strike="noStrike" cap="none" normalizeH="0" baseline="0" dirty="0">
                 <a:ln>
                   <a:noFill/>
                 </a:ln>
@@ -14516,7 +14494,7 @@
               <a:t>"</a:t>
             </a:r>
             <a:r>
-              <a:rPr kumimoji="0" lang="en-US" altLang="en-US" sz="1200" b="0" i="0" u="none" strike="noStrike" cap="none" normalizeH="0" baseline="0">
+              <a:rPr kumimoji="0" lang="en-US" altLang="en-US" sz="1200" b="0" i="0" u="none" strike="noStrike" cap="none" normalizeH="0" baseline="0" dirty="0">
                 <a:ln>
                   <a:noFill/>
                 </a:ln>
@@ -14529,7 +14507,7 @@
               <a:t> </a:t>
             </a:r>
             <a:r>
-              <a:rPr kumimoji="0" lang="en-US" altLang="en-US" sz="1200" b="0" i="0" u="none" strike="noStrike" cap="none" normalizeH="0" baseline="0">
+              <a:rPr kumimoji="0" lang="en-US" altLang="en-US" sz="1200" b="0" i="0" u="none" strike="noStrike" cap="none" normalizeH="0" baseline="0" dirty="0">
                 <a:ln>
                   <a:noFill/>
                 </a:ln>
@@ -14542,7 +14520,7 @@
               <a:t>max</a:t>
             </a:r>
             <a:r>
-              <a:rPr kumimoji="0" lang="en-US" altLang="en-US" sz="1200" b="0" i="0" u="none" strike="noStrike" cap="none" normalizeH="0" baseline="0">
+              <a:rPr kumimoji="0" lang="en-US" altLang="en-US" sz="1200" b="0" i="0" u="none" strike="noStrike" cap="none" normalizeH="0" baseline="0" dirty="0">
                 <a:ln>
                   <a:noFill/>
                 </a:ln>
@@ -14555,7 +14533,7 @@
               <a:t>="</a:t>
             </a:r>
             <a:r>
-              <a:rPr kumimoji="0" lang="en-US" altLang="en-US" sz="1200" b="0" i="0" u="none" strike="noStrike" cap="none" normalizeH="0" baseline="0">
+              <a:rPr kumimoji="0" lang="en-US" altLang="en-US" sz="1200" b="0" i="0" u="none" strike="noStrike" cap="none" normalizeH="0" baseline="0" dirty="0">
                 <a:ln>
                   <a:noFill/>
                 </a:ln>
@@ -14568,7 +14546,7 @@
               <a:t>5</a:t>
             </a:r>
             <a:r>
-              <a:rPr kumimoji="0" lang="en-US" altLang="en-US" sz="1200" b="0" i="0" u="none" strike="noStrike" cap="none" normalizeH="0" baseline="0">
+              <a:rPr kumimoji="0" lang="en-US" altLang="en-US" sz="1200" b="0" i="0" u="none" strike="noStrike" cap="none" normalizeH="0" baseline="0" dirty="0">
                 <a:ln>
                   <a:noFill/>
                 </a:ln>
@@ -14581,7 +14559,7 @@
               <a:t>"&gt;</a:t>
             </a:r>
             <a:r>
-              <a:rPr kumimoji="0" lang="en-US" altLang="en-US" sz="400" b="0" i="0" u="none" strike="noStrike" cap="none" normalizeH="0" baseline="0">
+              <a:rPr kumimoji="0" lang="en-US" altLang="en-US" sz="400" b="0" i="0" u="none" strike="noStrike" cap="none" normalizeH="0" baseline="0" dirty="0">
                 <a:ln>
                   <a:noFill/>
                 </a:ln>
@@ -14592,7 +14570,7 @@
               </a:rPr>
               <a:t> </a:t>
             </a:r>
-            <a:endParaRPr kumimoji="0" lang="en-US" altLang="en-US" sz="1800" b="0" i="0" u="none" strike="noStrike" cap="none" normalizeH="0" baseline="0">
+            <a:endParaRPr kumimoji="0" lang="en-US" altLang="en-US" sz="1800" b="0" i="0" u="none" strike="noStrike" cap="none" normalizeH="0" baseline="0" dirty="0">
               <a:ln>
                 <a:noFill/>
               </a:ln>
@@ -19285,7 +19263,30 @@
               </a:rPr>
               <a:t>ลากของมาวาง</a:t>
             </a:r>
-            <a:endParaRPr lang="en-US" dirty="0">
+            <a:r>
+              <a:rPr lang="en-US" dirty="0">
+                <a:solidFill>
+                  <a:srgbClr val="646464"/>
+                </a:solidFill>
+                <a:latin typeface="Angsana New" panose="02020603050405020304" pitchFamily="18" charset="-34"/>
+                <a:ea typeface="Arial Unicode MS"/>
+                <a:cs typeface="Angsana New" panose="02020603050405020304" pitchFamily="18" charset="-34"/>
+              </a:rPr>
+              <a:t>  Ex.</a:t>
+            </a:r>
+            <a:r>
+              <a:rPr lang="en-US" dirty="0">
+                <a:hlinkClick r:id="rId3"/>
+              </a:rPr>
+              <a:t> </a:t>
+            </a:r>
+            <a:r>
+              <a:rPr lang="en-US" sz="1000" dirty="0">
+                <a:hlinkClick r:id="rId3"/>
+              </a:rPr>
+              <a:t>https://www.w3schools.com/html/html5_draganddrop.asp</a:t>
+            </a:r>
+            <a:endParaRPr lang="en-US" sz="1000" dirty="0">
               <a:solidFill>
                 <a:srgbClr val="646464"/>
               </a:solidFill>
@@ -25998,15 +25999,15 @@
         </p:nvSpPr>
         <p:spPr>
           <a:xfrm>
-            <a:off x="1137790" y="1601289"/>
-            <a:ext cx="4355680" cy="2751522"/>
+            <a:off x="887534" y="1690933"/>
+            <a:ext cx="2462058" cy="535531"/>
           </a:xfrm>
           <a:prstGeom prst="rect">
             <a:avLst/>
           </a:prstGeom>
         </p:spPr>
         <p:txBody>
-          <a:bodyPr wrap="none">
+          <a:bodyPr wrap="square">
             <a:spAutoFit/>
           </a:bodyPr>
           <a:lstStyle/>
@@ -26015,79 +26016,6 @@
               <a:rPr lang="th-TH" sz="1200" b="1" dirty="0"/>
               <a:t>ตัวอย่าง</a:t>
             </a:r>
-            <a:r>
-              <a:rPr lang="th-TH" sz="1200" dirty="0"/>
-              <a:t>    </a:t>
-            </a:r>
-            <a:endParaRPr lang="en-US" sz="1200" dirty="0"/>
-          </a:p>
-          <a:p>
-            <a:r>
-              <a:rPr lang="en-US" sz="1200" dirty="0"/>
-              <a:t>	</a:t>
-            </a:r>
-            <a:r>
-              <a:rPr lang="th-TH" sz="1200" dirty="0">
-                <a:latin typeface="+mj-lt"/>
-              </a:rPr>
-              <a:t> </a:t>
-            </a:r>
-            <a:r>
-              <a:rPr lang="it-IT" sz="1200" dirty="0">
-                <a:solidFill>
-                  <a:srgbClr val="0000FF"/>
-                </a:solidFill>
-                <a:latin typeface="+mj-lt"/>
-              </a:rPr>
-              <a:t>&lt;form </a:t>
-            </a:r>
-            <a:r>
-              <a:rPr lang="it-IT" sz="1200" dirty="0">
-                <a:solidFill>
-                  <a:srgbClr val="FF0000"/>
-                </a:solidFill>
-                <a:latin typeface="+mj-lt"/>
-              </a:rPr>
-              <a:t>role</a:t>
-            </a:r>
-            <a:r>
-              <a:rPr lang="it-IT" sz="1200" dirty="0">
-                <a:solidFill>
-                  <a:srgbClr val="0000FF"/>
-                </a:solidFill>
-                <a:latin typeface="+mj-lt"/>
-              </a:rPr>
-              <a:t>=</a:t>
-            </a:r>
-            <a:r>
-              <a:rPr lang="it-IT" sz="1200" dirty="0">
-                <a:solidFill>
-                  <a:srgbClr val="A31515"/>
-                </a:solidFill>
-                <a:latin typeface="+mj-lt"/>
-              </a:rPr>
-              <a:t>"search"</a:t>
-            </a:r>
-            <a:r>
-              <a:rPr lang="it-IT" sz="1200" dirty="0">
-                <a:solidFill>
-                  <a:srgbClr val="0000FF"/>
-                </a:solidFill>
-                <a:latin typeface="+mj-lt"/>
-              </a:rPr>
-              <a:t>&gt;&lt;/form&gt;</a:t>
-            </a:r>
-            <a:r>
-              <a:rPr lang="it-IT" sz="1200" dirty="0">
-                <a:latin typeface="+mj-lt"/>
-              </a:rPr>
-              <a:t> </a:t>
-            </a:r>
-            <a:endParaRPr lang="th-TH" sz="1200" dirty="0">
-              <a:latin typeface="+mj-lt"/>
-            </a:endParaRPr>
-          </a:p>
-          <a:p>
             <a:endParaRPr lang="th-TH" sz="1200" dirty="0">
               <a:solidFill>
                 <a:srgbClr val="0000FF"/>
@@ -26096,557 +26024,384 @@
             </a:endParaRPr>
           </a:p>
           <a:p>
-            <a:r>
-              <a:rPr lang="th-TH" sz="1200" dirty="0">
-                <a:solidFill>
-                  <a:srgbClr val="0000FF"/>
-                </a:solidFill>
-                <a:latin typeface="+mj-lt"/>
-              </a:rPr>
-              <a:t>                      </a:t>
-            </a:r>
-            <a:r>
-              <a:rPr lang="it-IT" sz="1200" dirty="0">
-                <a:solidFill>
-                  <a:srgbClr val="0000FF"/>
-                </a:solidFill>
-                <a:latin typeface="+mj-lt"/>
-              </a:rPr>
-              <a:t>&lt;div </a:t>
-            </a:r>
-            <a:r>
-              <a:rPr lang="it-IT" sz="1200" dirty="0">
-                <a:solidFill>
-                  <a:srgbClr val="FF0000"/>
-                </a:solidFill>
-                <a:latin typeface="+mj-lt"/>
-              </a:rPr>
-              <a:t>role</a:t>
-            </a:r>
-            <a:r>
-              <a:rPr lang="it-IT" sz="1200" dirty="0">
-                <a:solidFill>
-                  <a:srgbClr val="0000FF"/>
-                </a:solidFill>
-                <a:latin typeface="+mj-lt"/>
-              </a:rPr>
-              <a:t>=</a:t>
-            </a:r>
-            <a:r>
-              <a:rPr lang="it-IT" sz="1200" dirty="0">
-                <a:solidFill>
-                  <a:srgbClr val="A31515"/>
-                </a:solidFill>
-                <a:latin typeface="+mj-lt"/>
-              </a:rPr>
-              <a:t>"button"</a:t>
-            </a:r>
-            <a:r>
-              <a:rPr lang="it-IT" sz="1200" dirty="0">
-                <a:solidFill>
-                  <a:srgbClr val="0000FF"/>
-                </a:solidFill>
-                <a:latin typeface="+mj-lt"/>
-              </a:rPr>
-              <a:t>&gt;</a:t>
-            </a:r>
-            <a:r>
-              <a:rPr lang="it-IT" sz="1200" dirty="0">
-                <a:latin typeface="+mj-lt"/>
-              </a:rPr>
-              <a:t> </a:t>
-            </a:r>
-            <a:r>
-              <a:rPr lang="it-IT" sz="1200" dirty="0">
-                <a:solidFill>
-                  <a:srgbClr val="0000FF"/>
-                </a:solidFill>
-                <a:latin typeface="+mj-lt"/>
-              </a:rPr>
-              <a:t>&lt;/div&gt;</a:t>
-            </a:r>
-            <a:r>
-              <a:rPr lang="it-IT" sz="1200" dirty="0">
-                <a:latin typeface="+mj-lt"/>
-              </a:rPr>
-              <a:t> </a:t>
-            </a:r>
-            <a:endParaRPr lang="th-TH" sz="1200" dirty="0">
-              <a:latin typeface="+mj-lt"/>
+            <a:endParaRPr lang="en-US" sz="1200" dirty="0">
+              <a:latin typeface="Angsana New" panose="02020603050405020304" pitchFamily="18" charset="-34"/>
+              <a:cs typeface="Angsana New" panose="02020603050405020304" pitchFamily="18" charset="-34"/>
             </a:endParaRPr>
           </a:p>
+        </p:txBody>
+      </p:sp>
+      <p:sp>
+        <p:nvSpPr>
+          <p:cNvPr id="3" name="Rectangle 2">
+            <a:extLst>
+              <a:ext uri="{FF2B5EF4-FFF2-40B4-BE49-F238E27FC236}">
+                <a16:creationId xmlns:a16="http://schemas.microsoft.com/office/drawing/2014/main" id="{928B5D2B-98AB-43A2-BA2E-07A7602DF3CE}"/>
+              </a:ext>
+            </a:extLst>
+          </p:cNvPr>
+          <p:cNvSpPr/>
+          <p:nvPr/>
+        </p:nvSpPr>
+        <p:spPr>
+          <a:xfrm>
+            <a:off x="1855976" y="1690933"/>
+            <a:ext cx="3672038" cy="3139321"/>
+          </a:xfrm>
+          <a:prstGeom prst="rect">
+            <a:avLst/>
+          </a:prstGeom>
+        </p:spPr>
+        <p:txBody>
+          <a:bodyPr wrap="square">
+            <a:spAutoFit/>
+          </a:bodyPr>
+          <a:lstStyle/>
           <a:p>
             <a:r>
-              <a:rPr lang="th-TH" sz="1200" dirty="0">
-                <a:solidFill>
-                  <a:srgbClr val="0000FF"/>
-                </a:solidFill>
-                <a:latin typeface="+mj-lt"/>
-              </a:rPr>
-              <a:t>                    </a:t>
+              <a:rPr lang="en-US" sz="1800" b="1" dirty="0">
+                <a:solidFill>
+                  <a:schemeClr val="accent1">
+                    <a:lumMod val="60000"/>
+                    <a:lumOff val="40000"/>
+                  </a:schemeClr>
+                </a:solidFill>
+                <a:latin typeface="Angsana New" panose="02020603050405020304" pitchFamily="18" charset="-34"/>
+                <a:cs typeface="Angsana New" panose="02020603050405020304" pitchFamily="18" charset="-34"/>
+              </a:rPr>
+              <a:t>&lt;header id="</a:t>
+            </a:r>
+            <a:r>
+              <a:rPr lang="en-US" sz="1800" b="1" dirty="0">
+                <a:solidFill>
+                  <a:srgbClr val="FFC000"/>
+                </a:solidFill>
+                <a:latin typeface="Angsana New" panose="02020603050405020304" pitchFamily="18" charset="-34"/>
+                <a:cs typeface="Angsana New" panose="02020603050405020304" pitchFamily="18" charset="-34"/>
+              </a:rPr>
+              <a:t>header</a:t>
+            </a:r>
+            <a:r>
+              <a:rPr lang="en-US" sz="1800" b="1" dirty="0">
+                <a:solidFill>
+                  <a:schemeClr val="accent1">
+                    <a:lumMod val="60000"/>
+                    <a:lumOff val="40000"/>
+                  </a:schemeClr>
+                </a:solidFill>
+                <a:latin typeface="Angsana New" panose="02020603050405020304" pitchFamily="18" charset="-34"/>
+                <a:cs typeface="Angsana New" panose="02020603050405020304" pitchFamily="18" charset="-34"/>
+              </a:rPr>
+              <a:t>" role="</a:t>
+            </a:r>
+            <a:r>
+              <a:rPr lang="en-US" sz="1800" b="1" dirty="0">
+                <a:solidFill>
+                  <a:srgbClr val="FFC000"/>
+                </a:solidFill>
+                <a:latin typeface="Angsana New" panose="02020603050405020304" pitchFamily="18" charset="-34"/>
+                <a:cs typeface="Angsana New" panose="02020603050405020304" pitchFamily="18" charset="-34"/>
+              </a:rPr>
+              <a:t>banner</a:t>
+            </a:r>
+            <a:r>
+              <a:rPr lang="en-US" sz="1800" b="1" dirty="0">
+                <a:solidFill>
+                  <a:schemeClr val="accent1">
+                    <a:lumMod val="60000"/>
+                    <a:lumOff val="40000"/>
+                  </a:schemeClr>
+                </a:solidFill>
+                <a:latin typeface="Angsana New" panose="02020603050405020304" pitchFamily="18" charset="-34"/>
+                <a:cs typeface="Angsana New" panose="02020603050405020304" pitchFamily="18" charset="-34"/>
+              </a:rPr>
+              <a:t>"&gt;</a:t>
             </a:r>
           </a:p>
           <a:p>
             <a:r>
-              <a:rPr lang="th-TH" sz="1200" dirty="0">
-                <a:solidFill>
-                  <a:srgbClr val="0000FF"/>
-                </a:solidFill>
-                <a:latin typeface="+mj-lt"/>
-              </a:rPr>
-              <a:t>                      </a:t>
-            </a:r>
-            <a:r>
-              <a:rPr lang="it-IT" sz="1200" dirty="0">
-                <a:solidFill>
-                  <a:srgbClr val="0000FF"/>
-                </a:solidFill>
-                <a:latin typeface="+mj-lt"/>
-              </a:rPr>
-              <a:t>&lt;div </a:t>
-            </a:r>
-            <a:r>
-              <a:rPr lang="it-IT" sz="1200" dirty="0">
-                <a:solidFill>
-                  <a:srgbClr val="FF0000"/>
-                </a:solidFill>
-                <a:latin typeface="+mj-lt"/>
-              </a:rPr>
-              <a:t>class</a:t>
-            </a:r>
-            <a:r>
-              <a:rPr lang="it-IT" sz="1200" dirty="0">
-                <a:solidFill>
-                  <a:srgbClr val="0000FF"/>
-                </a:solidFill>
-                <a:latin typeface="+mj-lt"/>
-              </a:rPr>
-              <a:t>=</a:t>
-            </a:r>
-            <a:r>
-              <a:rPr lang="it-IT" sz="1200" dirty="0">
-                <a:solidFill>
-                  <a:srgbClr val="A31515"/>
-                </a:solidFill>
-                <a:latin typeface="+mj-lt"/>
-              </a:rPr>
-              <a:t>"clear"</a:t>
-            </a:r>
-            <a:r>
-              <a:rPr lang="it-IT" sz="1200" dirty="0">
-                <a:solidFill>
-                  <a:srgbClr val="0000FF"/>
-                </a:solidFill>
-                <a:latin typeface="+mj-lt"/>
-              </a:rPr>
-              <a:t> </a:t>
-            </a:r>
-            <a:r>
-              <a:rPr lang="it-IT" sz="1200" dirty="0">
-                <a:solidFill>
-                  <a:srgbClr val="FF0000"/>
-                </a:solidFill>
-                <a:latin typeface="+mj-lt"/>
-              </a:rPr>
-              <a:t>role</a:t>
-            </a:r>
-            <a:r>
-              <a:rPr lang="it-IT" sz="1200" dirty="0">
-                <a:solidFill>
-                  <a:srgbClr val="0000FF"/>
-                </a:solidFill>
-                <a:latin typeface="+mj-lt"/>
-              </a:rPr>
-              <a:t>=</a:t>
-            </a:r>
-            <a:r>
-              <a:rPr lang="it-IT" sz="1200" dirty="0">
-                <a:solidFill>
-                  <a:srgbClr val="A31515"/>
-                </a:solidFill>
-                <a:latin typeface="+mj-lt"/>
-              </a:rPr>
-              <a:t>"presentational"</a:t>
-            </a:r>
-            <a:r>
-              <a:rPr lang="it-IT" sz="1200" dirty="0">
-                <a:solidFill>
-                  <a:srgbClr val="0000FF"/>
-                </a:solidFill>
-                <a:latin typeface="+mj-lt"/>
-              </a:rPr>
-              <a:t>&gt;</a:t>
-            </a:r>
-            <a:r>
-              <a:rPr lang="it-IT" sz="1200" dirty="0">
-                <a:latin typeface="+mj-lt"/>
-              </a:rPr>
-              <a:t> </a:t>
-            </a:r>
-            <a:r>
-              <a:rPr lang="it-IT" sz="1200" dirty="0">
-                <a:solidFill>
-                  <a:srgbClr val="0000FF"/>
-                </a:solidFill>
-                <a:latin typeface="+mj-lt"/>
-              </a:rPr>
-              <a:t>&lt;/div&gt;</a:t>
-            </a:r>
-            <a:endParaRPr lang="th-TH" sz="1200" dirty="0">
-              <a:solidFill>
-                <a:srgbClr val="0000FF"/>
-              </a:solidFill>
-              <a:latin typeface="+mj-lt"/>
-            </a:endParaRPr>
+              <a:rPr lang="en-US" sz="1800" b="1" dirty="0">
+                <a:solidFill>
+                  <a:schemeClr val="accent1">
+                    <a:lumMod val="60000"/>
+                    <a:lumOff val="40000"/>
+                  </a:schemeClr>
+                </a:solidFill>
+                <a:latin typeface="Angsana New" panose="02020603050405020304" pitchFamily="18" charset="-34"/>
+                <a:cs typeface="Angsana New" panose="02020603050405020304" pitchFamily="18" charset="-34"/>
+              </a:rPr>
+              <a:t>    </a:t>
+            </a:r>
+            <a:r>
+              <a:rPr lang="en-US" sz="1800" b="1" dirty="0">
+                <a:solidFill>
+                  <a:srgbClr val="FFC000"/>
+                </a:solidFill>
+                <a:latin typeface="Angsana New" panose="02020603050405020304" pitchFamily="18" charset="-34"/>
+                <a:cs typeface="Angsana New" panose="02020603050405020304" pitchFamily="18" charset="-34"/>
+              </a:rPr>
+              <a:t>Header stuff in here</a:t>
+            </a:r>
           </a:p>
           <a:p>
-            <a:endParaRPr lang="th-TH" sz="1200" dirty="0">
-              <a:solidFill>
-                <a:srgbClr val="0000FF"/>
-              </a:solidFill>
-              <a:latin typeface="+mj-lt"/>
-            </a:endParaRPr>
+            <a:r>
+              <a:rPr lang="en-US" sz="1800" b="1" dirty="0">
+                <a:solidFill>
+                  <a:schemeClr val="accent1">
+                    <a:lumMod val="60000"/>
+                    <a:lumOff val="40000"/>
+                  </a:schemeClr>
+                </a:solidFill>
+                <a:latin typeface="Angsana New" panose="02020603050405020304" pitchFamily="18" charset="-34"/>
+                <a:cs typeface="Angsana New" panose="02020603050405020304" pitchFamily="18" charset="-34"/>
+              </a:rPr>
+              <a:t>&lt;/header&gt;</a:t>
+            </a:r>
           </a:p>
           <a:p>
             <a:r>
-              <a:rPr lang="th-TH" sz="1200" dirty="0">
-                <a:solidFill>
-                  <a:srgbClr val="0000FF"/>
-                </a:solidFill>
-                <a:latin typeface="+mj-lt"/>
-              </a:rPr>
-              <a:t>                     </a:t>
-            </a:r>
-            <a:r>
-              <a:rPr lang="it-IT" sz="1200" dirty="0">
-                <a:latin typeface="+mj-lt"/>
-              </a:rPr>
-              <a:t> </a:t>
-            </a:r>
-            <a:r>
-              <a:rPr lang="it-IT" sz="1200" dirty="0">
-                <a:solidFill>
-                  <a:srgbClr val="0000FF"/>
-                </a:solidFill>
-                <a:latin typeface="+mj-lt"/>
-              </a:rPr>
-              <a:t>&lt;ul </a:t>
-            </a:r>
-            <a:r>
-              <a:rPr lang="it-IT" sz="1200" dirty="0">
-                <a:solidFill>
-                  <a:srgbClr val="FF0000"/>
-                </a:solidFill>
-                <a:latin typeface="+mj-lt"/>
-              </a:rPr>
-              <a:t>role</a:t>
-            </a:r>
-            <a:r>
-              <a:rPr lang="it-IT" sz="1200" dirty="0">
-                <a:solidFill>
-                  <a:srgbClr val="0000FF"/>
-                </a:solidFill>
-                <a:latin typeface="+mj-lt"/>
-              </a:rPr>
-              <a:t>=</a:t>
-            </a:r>
-            <a:r>
-              <a:rPr lang="it-IT" sz="1200" dirty="0">
-                <a:solidFill>
-                  <a:srgbClr val="A31515"/>
-                </a:solidFill>
-                <a:latin typeface="+mj-lt"/>
-              </a:rPr>
-              <a:t>"list"</a:t>
-            </a:r>
-            <a:r>
-              <a:rPr lang="it-IT" sz="1200" dirty="0">
-                <a:solidFill>
-                  <a:srgbClr val="0000FF"/>
-                </a:solidFill>
-                <a:latin typeface="+mj-lt"/>
-              </a:rPr>
-              <a:t>&gt;</a:t>
-            </a:r>
-            <a:endParaRPr lang="th-TH" sz="1200" dirty="0">
-              <a:solidFill>
-                <a:srgbClr val="0000FF"/>
-              </a:solidFill>
-              <a:latin typeface="+mj-lt"/>
-            </a:endParaRPr>
+              <a:rPr lang="th-TH" sz="1800" b="1" dirty="0">
+                <a:solidFill>
+                  <a:schemeClr val="accent1">
+                    <a:lumMod val="60000"/>
+                    <a:lumOff val="40000"/>
+                  </a:schemeClr>
+                </a:solidFill>
+                <a:latin typeface="Angsana New" panose="02020603050405020304" pitchFamily="18" charset="-34"/>
+                <a:cs typeface="Angsana New" panose="02020603050405020304" pitchFamily="18" charset="-34"/>
+              </a:rPr>
+              <a:t>หรือ:</a:t>
+            </a:r>
           </a:p>
           <a:p>
             <a:r>
-              <a:rPr lang="th-TH" sz="1200" dirty="0">
-                <a:solidFill>
-                  <a:srgbClr val="0000FF"/>
-                </a:solidFill>
-                <a:latin typeface="+mj-lt"/>
-              </a:rPr>
-              <a:t>                           </a:t>
-            </a:r>
-            <a:r>
-              <a:rPr lang="it-IT" sz="1200" dirty="0">
-                <a:latin typeface="+mj-lt"/>
-              </a:rPr>
-              <a:t> </a:t>
-            </a:r>
-            <a:r>
-              <a:rPr lang="it-IT" sz="1200" dirty="0">
-                <a:solidFill>
-                  <a:srgbClr val="0000FF"/>
-                </a:solidFill>
-                <a:latin typeface="+mj-lt"/>
-              </a:rPr>
-              <a:t>&lt;li&gt;</a:t>
-            </a:r>
-            <a:r>
-              <a:rPr lang="it-IT" sz="1200" dirty="0">
-                <a:latin typeface="+mj-lt"/>
-              </a:rPr>
-              <a:t>List 1</a:t>
-            </a:r>
-            <a:r>
-              <a:rPr lang="it-IT" sz="1200" dirty="0">
-                <a:solidFill>
-                  <a:srgbClr val="0000FF"/>
-                </a:solidFill>
-                <a:latin typeface="+mj-lt"/>
-              </a:rPr>
-              <a:t>&lt;/li&gt;</a:t>
-            </a:r>
-            <a:endParaRPr lang="th-TH" sz="1200" dirty="0">
-              <a:solidFill>
-                <a:srgbClr val="0000FF"/>
-              </a:solidFill>
-              <a:latin typeface="+mj-lt"/>
-            </a:endParaRPr>
+              <a:rPr lang="th-TH" sz="1800" b="1" dirty="0">
+                <a:solidFill>
+                  <a:schemeClr val="accent1">
+                    <a:lumMod val="60000"/>
+                    <a:lumOff val="40000"/>
+                  </a:schemeClr>
+                </a:solidFill>
+                <a:latin typeface="Angsana New" panose="02020603050405020304" pitchFamily="18" charset="-34"/>
+                <a:cs typeface="Angsana New" panose="02020603050405020304" pitchFamily="18" charset="-34"/>
+              </a:rPr>
+              <a:t>&lt;</a:t>
+            </a:r>
+            <a:r>
+              <a:rPr lang="en-US" sz="1800" b="1" dirty="0">
+                <a:solidFill>
+                  <a:schemeClr val="accent1">
+                    <a:lumMod val="60000"/>
+                    <a:lumOff val="40000"/>
+                  </a:schemeClr>
+                </a:solidFill>
+                <a:latin typeface="Angsana New" panose="02020603050405020304" pitchFamily="18" charset="-34"/>
+                <a:cs typeface="Angsana New" panose="02020603050405020304" pitchFamily="18" charset="-34"/>
+              </a:rPr>
+              <a:t>section id="</a:t>
+            </a:r>
+            <a:r>
+              <a:rPr lang="en-US" sz="1800" b="1" dirty="0" err="1">
+                <a:solidFill>
+                  <a:srgbClr val="FFC000"/>
+                </a:solidFill>
+                <a:latin typeface="Angsana New" panose="02020603050405020304" pitchFamily="18" charset="-34"/>
+                <a:cs typeface="Angsana New" panose="02020603050405020304" pitchFamily="18" charset="-34"/>
+              </a:rPr>
+              <a:t>facebook</a:t>
+            </a:r>
+            <a:r>
+              <a:rPr lang="en-US" sz="1800" b="1" dirty="0">
+                <a:solidFill>
+                  <a:schemeClr val="accent1">
+                    <a:lumMod val="60000"/>
+                    <a:lumOff val="40000"/>
+                  </a:schemeClr>
+                </a:solidFill>
+                <a:latin typeface="Angsana New" panose="02020603050405020304" pitchFamily="18" charset="-34"/>
+                <a:cs typeface="Angsana New" panose="02020603050405020304" pitchFamily="18" charset="-34"/>
+              </a:rPr>
+              <a:t>" role="</a:t>
+            </a:r>
+            <a:r>
+              <a:rPr lang="en-US" sz="1800" b="1" dirty="0" err="1">
+                <a:solidFill>
+                  <a:srgbClr val="FFC000"/>
+                </a:solidFill>
+                <a:latin typeface="Angsana New" panose="02020603050405020304" pitchFamily="18" charset="-34"/>
+                <a:cs typeface="Angsana New" panose="02020603050405020304" pitchFamily="18" charset="-34"/>
+              </a:rPr>
+              <a:t>contentinfo</a:t>
+            </a:r>
+            <a:r>
+              <a:rPr lang="en-US" sz="1800" b="1" dirty="0">
+                <a:solidFill>
+                  <a:schemeClr val="accent1">
+                    <a:lumMod val="60000"/>
+                    <a:lumOff val="40000"/>
+                  </a:schemeClr>
+                </a:solidFill>
+                <a:latin typeface="Angsana New" panose="02020603050405020304" pitchFamily="18" charset="-34"/>
+                <a:cs typeface="Angsana New" panose="02020603050405020304" pitchFamily="18" charset="-34"/>
+              </a:rPr>
+              <a:t>"&gt;</a:t>
+            </a:r>
           </a:p>
           <a:p>
             <a:r>
-              <a:rPr lang="th-TH" sz="1200" dirty="0">
-                <a:solidFill>
-                  <a:srgbClr val="0000FF"/>
-                </a:solidFill>
-                <a:latin typeface="+mj-lt"/>
-              </a:rPr>
-              <a:t>                           </a:t>
-            </a:r>
-            <a:r>
-              <a:rPr lang="it-IT" sz="1200" dirty="0">
-                <a:latin typeface="+mj-lt"/>
-              </a:rPr>
-              <a:t> </a:t>
-            </a:r>
-            <a:r>
-              <a:rPr lang="it-IT" sz="1200" dirty="0">
-                <a:solidFill>
-                  <a:srgbClr val="0000FF"/>
-                </a:solidFill>
-                <a:latin typeface="+mj-lt"/>
-              </a:rPr>
-              <a:t>&lt;li&gt;</a:t>
-            </a:r>
-            <a:r>
-              <a:rPr lang="it-IT" sz="1200" dirty="0">
-                <a:latin typeface="+mj-lt"/>
-              </a:rPr>
-              <a:t>List 2</a:t>
-            </a:r>
-            <a:r>
-              <a:rPr lang="it-IT" sz="1200" dirty="0">
-                <a:solidFill>
-                  <a:srgbClr val="0000FF"/>
-                </a:solidFill>
-                <a:latin typeface="+mj-lt"/>
-              </a:rPr>
-              <a:t>&lt;/li&gt;</a:t>
-            </a:r>
-            <a:r>
-              <a:rPr lang="it-IT" sz="1200" dirty="0">
-                <a:latin typeface="+mj-lt"/>
-              </a:rPr>
-              <a:t> </a:t>
-            </a:r>
-            <a:endParaRPr lang="th-TH" sz="1200" dirty="0">
-              <a:latin typeface="+mj-lt"/>
-            </a:endParaRPr>
+              <a:rPr lang="en-US" sz="1800" b="1" dirty="0">
+                <a:solidFill>
+                  <a:srgbClr val="FFC000"/>
+                </a:solidFill>
+                <a:latin typeface="Angsana New" panose="02020603050405020304" pitchFamily="18" charset="-34"/>
+                <a:cs typeface="Angsana New" panose="02020603050405020304" pitchFamily="18" charset="-34"/>
+              </a:rPr>
+              <a:t>    Facebook stuff in here</a:t>
+            </a:r>
           </a:p>
           <a:p>
             <a:r>
-              <a:rPr lang="th-TH" sz="1200" dirty="0">
-                <a:solidFill>
-                  <a:srgbClr val="0000FF"/>
-                </a:solidFill>
-                <a:latin typeface="+mj-lt"/>
-              </a:rPr>
-              <a:t>                            </a:t>
-            </a:r>
-            <a:r>
-              <a:rPr lang="it-IT" sz="1200" dirty="0">
-                <a:solidFill>
-                  <a:srgbClr val="0000FF"/>
-                </a:solidFill>
-                <a:latin typeface="+mj-lt"/>
-              </a:rPr>
-              <a:t>&lt;li </a:t>
-            </a:r>
-            <a:r>
-              <a:rPr lang="it-IT" sz="1200" dirty="0">
-                <a:solidFill>
-                  <a:srgbClr val="FF0000"/>
-                </a:solidFill>
-                <a:latin typeface="+mj-lt"/>
-              </a:rPr>
-              <a:t>role</a:t>
-            </a:r>
-            <a:r>
-              <a:rPr lang="it-IT" sz="1200" dirty="0">
-                <a:solidFill>
-                  <a:srgbClr val="0000FF"/>
-                </a:solidFill>
-                <a:latin typeface="+mj-lt"/>
-              </a:rPr>
-              <a:t>=</a:t>
-            </a:r>
-            <a:r>
-              <a:rPr lang="it-IT" sz="1200" dirty="0">
-                <a:solidFill>
-                  <a:srgbClr val="A31515"/>
-                </a:solidFill>
-                <a:latin typeface="+mj-lt"/>
-              </a:rPr>
-              <a:t>"separator"</a:t>
-            </a:r>
-            <a:r>
-              <a:rPr lang="it-IT" sz="1200" dirty="0">
-                <a:solidFill>
-                  <a:srgbClr val="0000FF"/>
-                </a:solidFill>
-                <a:latin typeface="+mj-lt"/>
-              </a:rPr>
-              <a:t>&gt;&lt;/li&gt;</a:t>
-            </a:r>
-            <a:r>
-              <a:rPr lang="it-IT" sz="1200" dirty="0">
-                <a:latin typeface="+mj-lt"/>
-              </a:rPr>
-              <a:t> </a:t>
-            </a:r>
-            <a:endParaRPr lang="th-TH" sz="1200" dirty="0">
-              <a:latin typeface="+mj-lt"/>
-            </a:endParaRPr>
+              <a:rPr lang="en-US" sz="1800" b="1" dirty="0">
+                <a:solidFill>
+                  <a:schemeClr val="accent1">
+                    <a:lumMod val="60000"/>
+                    <a:lumOff val="40000"/>
+                  </a:schemeClr>
+                </a:solidFill>
+                <a:latin typeface="Angsana New" panose="02020603050405020304" pitchFamily="18" charset="-34"/>
+                <a:cs typeface="Angsana New" panose="02020603050405020304" pitchFamily="18" charset="-34"/>
+              </a:rPr>
+              <a:t>&lt;/section&gt;</a:t>
+            </a:r>
           </a:p>
           <a:p>
             <a:r>
-              <a:rPr lang="th-TH" sz="1200" dirty="0">
-                <a:solidFill>
-                  <a:srgbClr val="0000FF"/>
-                </a:solidFill>
-                <a:latin typeface="+mj-lt"/>
-              </a:rPr>
-              <a:t>                            </a:t>
-            </a:r>
-            <a:r>
-              <a:rPr lang="it-IT" sz="1200" dirty="0">
-                <a:solidFill>
-                  <a:srgbClr val="0000FF"/>
-                </a:solidFill>
-                <a:latin typeface="+mj-lt"/>
-              </a:rPr>
-              <a:t>&lt;li&gt;</a:t>
-            </a:r>
-            <a:r>
-              <a:rPr lang="it-IT" sz="1200" dirty="0">
-                <a:latin typeface="+mj-lt"/>
-              </a:rPr>
-              <a:t>List 3</a:t>
-            </a:r>
-            <a:r>
-              <a:rPr lang="it-IT" sz="1200" dirty="0">
-                <a:solidFill>
-                  <a:srgbClr val="0000FF"/>
-                </a:solidFill>
-                <a:latin typeface="+mj-lt"/>
-              </a:rPr>
-              <a:t>&lt;/li&gt;</a:t>
-            </a:r>
-            <a:r>
-              <a:rPr lang="it-IT" sz="1200" dirty="0">
-                <a:latin typeface="+mj-lt"/>
-              </a:rPr>
-              <a:t> </a:t>
-            </a:r>
-            <a:endParaRPr lang="th-TH" sz="1200" dirty="0">
-              <a:latin typeface="+mj-lt"/>
-            </a:endParaRPr>
+              <a:rPr lang="th-TH" sz="1800" b="1" dirty="0">
+                <a:solidFill>
+                  <a:schemeClr val="accent1">
+                    <a:lumMod val="60000"/>
+                    <a:lumOff val="40000"/>
+                  </a:schemeClr>
+                </a:solidFill>
+                <a:latin typeface="Angsana New" panose="02020603050405020304" pitchFamily="18" charset="-34"/>
+                <a:cs typeface="Angsana New" panose="02020603050405020304" pitchFamily="18" charset="-34"/>
+              </a:rPr>
+              <a:t>หรือ:</a:t>
+            </a:r>
           </a:p>
           <a:p>
             <a:r>
-              <a:rPr lang="th-TH" sz="1200" dirty="0">
-                <a:solidFill>
-                  <a:srgbClr val="0000FF"/>
-                </a:solidFill>
-                <a:latin typeface="+mj-lt"/>
-              </a:rPr>
-              <a:t>                            </a:t>
-            </a:r>
-            <a:r>
-              <a:rPr lang="it-IT" sz="1200" dirty="0">
-                <a:solidFill>
-                  <a:srgbClr val="0000FF"/>
-                </a:solidFill>
-                <a:latin typeface="+mj-lt"/>
-              </a:rPr>
-              <a:t>&lt;li&gt;</a:t>
-            </a:r>
-            <a:r>
-              <a:rPr lang="it-IT" sz="1200" dirty="0">
-                <a:latin typeface="+mj-lt"/>
-              </a:rPr>
-              <a:t>List 4</a:t>
-            </a:r>
-            <a:r>
-              <a:rPr lang="it-IT" sz="1200" dirty="0">
-                <a:solidFill>
-                  <a:srgbClr val="0000FF"/>
-                </a:solidFill>
-                <a:latin typeface="+mj-lt"/>
-              </a:rPr>
-              <a:t>&lt;/li&gt;</a:t>
-            </a:r>
-            <a:r>
-              <a:rPr lang="it-IT" sz="1200" dirty="0">
-                <a:latin typeface="+mj-lt"/>
-              </a:rPr>
-              <a:t> </a:t>
-            </a:r>
-            <a:endParaRPr lang="th-TH" sz="1200" dirty="0">
-              <a:latin typeface="+mj-lt"/>
-            </a:endParaRPr>
+              <a:rPr lang="th-TH" sz="1800" b="1" dirty="0">
+                <a:solidFill>
+                  <a:schemeClr val="accent1">
+                    <a:lumMod val="60000"/>
+                    <a:lumOff val="40000"/>
+                  </a:schemeClr>
+                </a:solidFill>
+                <a:latin typeface="Angsana New" panose="02020603050405020304" pitchFamily="18" charset="-34"/>
+                <a:cs typeface="Angsana New" panose="02020603050405020304" pitchFamily="18" charset="-34"/>
+              </a:rPr>
+              <a:t>&lt;</a:t>
+            </a:r>
+            <a:r>
+              <a:rPr lang="en-US" sz="1800" b="1" dirty="0">
+                <a:solidFill>
+                  <a:schemeClr val="accent1">
+                    <a:lumMod val="60000"/>
+                    <a:lumOff val="40000"/>
+                  </a:schemeClr>
+                </a:solidFill>
+                <a:latin typeface="Angsana New" panose="02020603050405020304" pitchFamily="18" charset="-34"/>
+                <a:cs typeface="Angsana New" panose="02020603050405020304" pitchFamily="18" charset="-34"/>
+              </a:rPr>
+              <a:t>section id="</a:t>
+            </a:r>
+            <a:r>
+              <a:rPr lang="en-US" sz="1800" b="1" dirty="0">
+                <a:solidFill>
+                  <a:srgbClr val="FFC000"/>
+                </a:solidFill>
+                <a:latin typeface="Angsana New" panose="02020603050405020304" pitchFamily="18" charset="-34"/>
+                <a:cs typeface="Angsana New" panose="02020603050405020304" pitchFamily="18" charset="-34"/>
+              </a:rPr>
+              <a:t>main</a:t>
+            </a:r>
+            <a:r>
+              <a:rPr lang="en-US" sz="1800" b="1" dirty="0">
+                <a:solidFill>
+                  <a:schemeClr val="accent1">
+                    <a:lumMod val="60000"/>
+                    <a:lumOff val="40000"/>
+                  </a:schemeClr>
+                </a:solidFill>
+                <a:latin typeface="Angsana New" panose="02020603050405020304" pitchFamily="18" charset="-34"/>
+                <a:cs typeface="Angsana New" panose="02020603050405020304" pitchFamily="18" charset="-34"/>
+              </a:rPr>
+              <a:t>" role="</a:t>
+            </a:r>
+            <a:r>
+              <a:rPr lang="en-US" sz="1800" b="1" dirty="0">
+                <a:solidFill>
+                  <a:srgbClr val="FFC000"/>
+                </a:solidFill>
+                <a:latin typeface="Angsana New" panose="02020603050405020304" pitchFamily="18" charset="-34"/>
+                <a:cs typeface="Angsana New" panose="02020603050405020304" pitchFamily="18" charset="-34"/>
+              </a:rPr>
+              <a:t>main</a:t>
+            </a:r>
+            <a:r>
+              <a:rPr lang="en-US" sz="1800" b="1" dirty="0">
+                <a:solidFill>
+                  <a:schemeClr val="accent1">
+                    <a:lumMod val="60000"/>
+                    <a:lumOff val="40000"/>
+                  </a:schemeClr>
+                </a:solidFill>
+                <a:latin typeface="Angsana New" panose="02020603050405020304" pitchFamily="18" charset="-34"/>
+                <a:cs typeface="Angsana New" panose="02020603050405020304" pitchFamily="18" charset="-34"/>
+              </a:rPr>
+              <a:t>"&gt;</a:t>
+            </a:r>
           </a:p>
           <a:p>
             <a:r>
-              <a:rPr lang="th-TH" sz="1200" dirty="0">
-                <a:solidFill>
-                  <a:srgbClr val="0000FF"/>
-                </a:solidFill>
-                <a:latin typeface="+mj-lt"/>
-              </a:rPr>
-              <a:t>                      </a:t>
-            </a:r>
-            <a:r>
-              <a:rPr lang="it-IT" sz="1200" dirty="0">
-                <a:solidFill>
-                  <a:srgbClr val="0000FF"/>
-                </a:solidFill>
-                <a:latin typeface="+mj-lt"/>
-              </a:rPr>
-              <a:t>&lt;/ul&gt;</a:t>
-            </a:r>
-            <a:endParaRPr lang="en-US" sz="1200" dirty="0">
-              <a:latin typeface="+mj-lt"/>
-            </a:endParaRPr>
+              <a:rPr lang="en-US" sz="1800" b="1" dirty="0">
+                <a:solidFill>
+                  <a:schemeClr val="accent1">
+                    <a:lumMod val="60000"/>
+                    <a:lumOff val="40000"/>
+                  </a:schemeClr>
+                </a:solidFill>
+                <a:latin typeface="Angsana New" panose="02020603050405020304" pitchFamily="18" charset="-34"/>
+                <a:cs typeface="Angsana New" panose="02020603050405020304" pitchFamily="18" charset="-34"/>
+              </a:rPr>
+              <a:t>     </a:t>
+            </a:r>
+            <a:r>
+              <a:rPr lang="en-US" sz="1800" b="1" dirty="0">
+                <a:solidFill>
+                  <a:srgbClr val="FFC000"/>
+                </a:solidFill>
+                <a:latin typeface="Angsana New" panose="02020603050405020304" pitchFamily="18" charset="-34"/>
+                <a:cs typeface="Angsana New" panose="02020603050405020304" pitchFamily="18" charset="-34"/>
+              </a:rPr>
+              <a:t>Main content stuff in here</a:t>
+            </a:r>
+          </a:p>
+          <a:p>
+            <a:r>
+              <a:rPr lang="en-US" sz="1800" b="1" dirty="0">
+                <a:solidFill>
+                  <a:schemeClr val="accent1">
+                    <a:lumMod val="60000"/>
+                    <a:lumOff val="40000"/>
+                  </a:schemeClr>
+                </a:solidFill>
+                <a:latin typeface="Angsana New" panose="02020603050405020304" pitchFamily="18" charset="-34"/>
+                <a:cs typeface="Angsana New" panose="02020603050405020304" pitchFamily="18" charset="-34"/>
+              </a:rPr>
+              <a:t>&lt;/section&gt;</a:t>
+            </a:r>
           </a:p>
         </p:txBody>
       </p:sp>
@@ -28008,14 +27763,14 @@
           <p:nvPr>
             <p:extLst>
               <p:ext uri="{D42A27DB-BD31-4B8C-83A1-F6EECF244321}">
-                <p14:modId xmlns:p14="http://schemas.microsoft.com/office/powerpoint/2010/main" val="1543444244"/>
+                <p14:modId xmlns:p14="http://schemas.microsoft.com/office/powerpoint/2010/main" val="1825091488"/>
               </p:ext>
             </p:extLst>
           </p:nvPr>
         </p:nvGraphicFramePr>
         <p:xfrm>
           <a:off x="969745" y="490888"/>
-          <a:ext cx="7204510" cy="4345808"/>
+          <a:ext cx="6843473" cy="4345808"/>
         </p:xfrm>
         <a:graphic>
           <a:graphicData uri="http://schemas.openxmlformats.org/drawingml/2006/table">
@@ -28024,7 +27779,7 @@
                 <a:tableStyleId>{775DCB02-9BB8-47FD-8907-85C794F793BA}</a:tableStyleId>
               </a:tblPr>
               <a:tblGrid>
-                <a:gridCol w="1266478">
+                <a:gridCol w="905441">
                   <a:extLst>
                     <a:ext uri="{9D8B030D-6E8A-4147-A177-3AD203B41FA5}">
                       <a16:colId xmlns:a16="http://schemas.microsoft.com/office/drawing/2014/main" val="668247583"/>
@@ -32532,7 +32287,7 @@
         </p:nvSpPr>
         <p:spPr>
           <a:xfrm>
-            <a:off x="2771639" y="1279972"/>
+            <a:off x="2771639" y="1352161"/>
             <a:ext cx="4572000" cy="2246769"/>
           </a:xfrm>
           <a:prstGeom prst="rect">
@@ -34381,7 +34136,7 @@
           <p:nvPr>
             <p:extLst>
               <p:ext uri="{D42A27DB-BD31-4B8C-83A1-F6EECF244321}">
-                <p14:modId xmlns:p14="http://schemas.microsoft.com/office/powerpoint/2010/main" val="4223244595"/>
+                <p14:modId xmlns:p14="http://schemas.microsoft.com/office/powerpoint/2010/main" val="1832607359"/>
               </p:ext>
             </p:extLst>
           </p:nvPr>
@@ -34750,7 +34505,7 @@
                           <a:latin typeface="Angsana New" panose="02020603050405020304" pitchFamily="18" charset="-34"/>
                           <a:cs typeface="Angsana New" panose="02020603050405020304" pitchFamily="18" charset="-34"/>
                         </a:rPr>
-                        <a:t>สีของเว้น  </a:t>
+                        <a:t>สีของเส้น  </a:t>
                       </a:r>
                       <a:r>
                         <a:rPr lang="en-US" sz="1400" dirty="0">
@@ -37110,14 +36865,14 @@
           <p:nvPr>
             <p:extLst>
               <p:ext uri="{D42A27DB-BD31-4B8C-83A1-F6EECF244321}">
-                <p14:modId xmlns:p14="http://schemas.microsoft.com/office/powerpoint/2010/main" val="1190986113"/>
+                <p14:modId xmlns:p14="http://schemas.microsoft.com/office/powerpoint/2010/main" val="3324208108"/>
               </p:ext>
             </p:extLst>
           </p:nvPr>
         </p:nvGraphicFramePr>
         <p:xfrm>
           <a:off x="1813170" y="1473345"/>
-          <a:ext cx="5517660" cy="2309069"/>
+          <a:ext cx="5517660" cy="2301002"/>
         </p:xfrm>
         <a:graphic>
           <a:graphicData uri="http://schemas.openxmlformats.org/drawingml/2006/table">
@@ -37454,7 +37209,7 @@
                   </a:ext>
                 </a:extLst>
               </a:tr>
-              <a:tr h="286441">
+              <a:tr h="218422">
                 <a:tc>
                   <a:txBody>
                     <a:bodyPr/>
@@ -37462,7 +37217,7 @@
                     <a:p>
                       <a:pPr fontAlgn="t"/>
                       <a:r>
-                        <a:rPr lang="en-US" sz="1400">
+                        <a:rPr lang="en-US" sz="1400" dirty="0">
                           <a:effectLst/>
                           <a:latin typeface="Angsana New" panose="02020603050405020304" pitchFamily="18" charset="-34"/>
                           <a:cs typeface="Angsana New" panose="02020603050405020304" pitchFamily="18" charset="-34"/>
@@ -39710,7 +39465,7 @@
             <a:r>
               <a:rPr lang="en-US" b="0" dirty="0">
                 <a:solidFill>
-                  <a:srgbClr val="FFFFFF"/>
+                  <a:srgbClr val="FF0000"/>
                 </a:solidFill>
                 <a:latin typeface="Consolas" panose="020B0609020204030204" pitchFamily="49" charset="0"/>
               </a:rPr>
@@ -40164,7 +39919,7 @@
             <a:r>
               <a:rPr lang="en-US" sz="1800" dirty="0">
                 <a:solidFill>
-                  <a:srgbClr val="FFFFFF"/>
+                  <a:srgbClr val="FF0000"/>
                 </a:solidFill>
                 <a:latin typeface="Angsana New" panose="02020603050405020304" pitchFamily="18" charset="-34"/>
                 <a:cs typeface="Angsana New" panose="02020603050405020304" pitchFamily="18" charset="-34"/>
@@ -40378,14 +40133,14 @@
           <p:nvPr>
             <p:extLst>
               <p:ext uri="{D42A27DB-BD31-4B8C-83A1-F6EECF244321}">
-                <p14:modId xmlns:p14="http://schemas.microsoft.com/office/powerpoint/2010/main" val="971719097"/>
+                <p14:modId xmlns:p14="http://schemas.microsoft.com/office/powerpoint/2010/main" val="1122377730"/>
               </p:ext>
             </p:extLst>
           </p:nvPr>
         </p:nvGraphicFramePr>
         <p:xfrm>
           <a:off x="1905803" y="1401157"/>
-          <a:ext cx="5782412" cy="2026920"/>
+          <a:ext cx="4519718" cy="2026920"/>
         </p:xfrm>
         <a:graphic>
           <a:graphicData uri="http://schemas.openxmlformats.org/drawingml/2006/table">
@@ -40394,7 +40149,7 @@
                 <a:tableStyleId>{775DCB02-9BB8-47FD-8907-85C794F793BA}</a:tableStyleId>
               </a:tblPr>
               <a:tblGrid>
-                <a:gridCol w="2126294">
+                <a:gridCol w="863600">
                   <a:extLst>
                     <a:ext uri="{9D8B030D-6E8A-4147-A177-3AD203B41FA5}">
                       <a16:colId xmlns:a16="http://schemas.microsoft.com/office/drawing/2014/main" val="3313662381"/>
@@ -40499,7 +40254,7 @@
                     <a:p>
                       <a:pPr fontAlgn="t"/>
                       <a:r>
-                        <a:rPr lang="en-US">
+                        <a:rPr lang="en-US" dirty="0">
                           <a:effectLst/>
                           <a:latin typeface="Angsana New" panose="02020603050405020304" pitchFamily="18" charset="-34"/>
                           <a:cs typeface="Angsana New" panose="02020603050405020304" pitchFamily="18" charset="-34"/>
@@ -40542,7 +40297,7 @@
                     <a:p>
                       <a:pPr fontAlgn="t"/>
                       <a:r>
-                        <a:rPr lang="en-US">
+                        <a:rPr lang="en-US" dirty="0">
                           <a:effectLst/>
                           <a:latin typeface="Angsana New" panose="02020603050405020304" pitchFamily="18" charset="-34"/>
                           <a:cs typeface="Angsana New" panose="02020603050405020304" pitchFamily="18" charset="-34"/>
@@ -40585,7 +40340,7 @@
                     <a:p>
                       <a:pPr fontAlgn="t"/>
                       <a:r>
-                        <a:rPr lang="en-US">
+                        <a:rPr lang="en-US" dirty="0">
                           <a:effectLst/>
                           <a:latin typeface="Angsana New" panose="02020603050405020304" pitchFamily="18" charset="-34"/>
                           <a:cs typeface="Angsana New" panose="02020603050405020304" pitchFamily="18" charset="-34"/>
@@ -40628,7 +40383,7 @@
                     <a:p>
                       <a:pPr fontAlgn="t"/>
                       <a:r>
-                        <a:rPr lang="en-US">
+                        <a:rPr lang="en-US" dirty="0">
                           <a:effectLst/>
                           <a:latin typeface="Angsana New" panose="02020603050405020304" pitchFamily="18" charset="-34"/>
                           <a:cs typeface="Angsana New" panose="02020603050405020304" pitchFamily="18" charset="-34"/>
@@ -42875,7 +42630,7 @@
         <p:spPr>
           <a:xfrm>
             <a:off x="770021" y="1461774"/>
-            <a:ext cx="7786763" cy="1425805"/>
+            <a:ext cx="7786763" cy="2070698"/>
           </a:xfrm>
           <a:prstGeom prst="rect">
             <a:avLst/>
@@ -43476,16 +43231,7 @@
               </a:rPr>
               <a:t>web page</a:t>
             </a:r>
-            <a:br>
-              <a:rPr lang="en-US" sz="1800" dirty="0">
-                <a:solidFill>
-                  <a:schemeClr val="tx1"/>
-                </a:solidFill>
-                <a:latin typeface="Angsana New" panose="02020603050405020304" pitchFamily="18" charset="-34"/>
-                <a:cs typeface="Angsana New" panose="02020603050405020304" pitchFamily="18" charset="-34"/>
-              </a:rPr>
-            </a:br>
-            <a:endParaRPr lang="en-US" sz="1800" dirty="0">
+            <a:endParaRPr lang="th-TH" sz="1800" dirty="0">
               <a:solidFill>
                 <a:schemeClr val="tx1"/>
               </a:solidFill>
@@ -43493,679 +43239,166 @@
               <a:cs typeface="Angsana New" panose="02020603050405020304" pitchFamily="18" charset="-34"/>
             </a:endParaRPr>
           </a:p>
-        </p:txBody>
-      </p:sp>
-      <p:sp>
-        <p:nvSpPr>
-          <p:cNvPr id="7" name="Title 6">
-            <a:extLst>
-              <a:ext uri="{FF2B5EF4-FFF2-40B4-BE49-F238E27FC236}">
-                <a16:creationId xmlns:a16="http://schemas.microsoft.com/office/drawing/2014/main" id="{F864A177-5C82-436A-BDA9-7676720BBA79}"/>
-              </a:ext>
-            </a:extLst>
-          </p:cNvPr>
-          <p:cNvSpPr txBox="1">
-            <a:spLocks/>
-          </p:cNvSpPr>
-          <p:nvPr/>
-        </p:nvSpPr>
-        <p:spPr>
-          <a:xfrm>
-            <a:off x="770021" y="2851824"/>
-            <a:ext cx="6153837" cy="809785"/>
-          </a:xfrm>
-          <a:prstGeom prst="rect">
-            <a:avLst/>
-          </a:prstGeom>
-          <a:noFill/>
-          <a:ln>
-            <a:noFill/>
-          </a:ln>
-        </p:spPr>
-        <p:txBody>
-          <a:bodyPr spcFirstLastPara="1" wrap="square" lIns="91425" tIns="91425" rIns="91425" bIns="91425" anchor="b" anchorCtr="0">
-            <a:noAutofit/>
-          </a:bodyPr>
-          <a:lstStyle>
-            <a:defPPr marR="0" lvl="0" algn="l" rtl="0">
-              <a:lnSpc>
-                <a:spcPct val="100000"/>
-              </a:lnSpc>
-              <a:spcBef>
-                <a:spcPts val="0"/>
-              </a:spcBef>
-              <a:spcAft>
-                <a:spcPts val="0"/>
-              </a:spcAft>
-            </a:defPPr>
-            <a:lvl1pPr marR="0" lvl="0" algn="l" rtl="0">
-              <a:lnSpc>
-                <a:spcPct val="100000"/>
-              </a:lnSpc>
-              <a:spcBef>
-                <a:spcPts val="0"/>
-              </a:spcBef>
-              <a:spcAft>
-                <a:spcPts val="0"/>
-              </a:spcAft>
-              <a:buClr>
-                <a:srgbClr val="3796BF"/>
-              </a:buClr>
-              <a:buSzPts val="3000"/>
-              <a:buFont typeface="Oswald"/>
-              <a:buNone/>
-              <a:defRPr sz="3000" b="1" i="0" u="none" strike="noStrike" cap="none">
-                <a:solidFill>
-                  <a:srgbClr val="3796BF"/>
-                </a:solidFill>
-                <a:latin typeface="Oswald"/>
-                <a:ea typeface="Oswald"/>
-                <a:cs typeface="Oswald"/>
-                <a:sym typeface="Oswald"/>
-              </a:defRPr>
-            </a:lvl1pPr>
-            <a:lvl2pPr marR="0" lvl="1" algn="l" rtl="0">
-              <a:lnSpc>
-                <a:spcPct val="100000"/>
-              </a:lnSpc>
-              <a:spcBef>
-                <a:spcPts val="0"/>
-              </a:spcBef>
-              <a:spcAft>
-                <a:spcPts val="0"/>
-              </a:spcAft>
-              <a:buClr>
-                <a:srgbClr val="3796BF"/>
-              </a:buClr>
-              <a:buSzPts val="3000"/>
-              <a:buFont typeface="Oswald"/>
-              <a:buNone/>
-              <a:defRPr sz="3000" b="1" i="0" u="none" strike="noStrike" cap="none">
-                <a:solidFill>
-                  <a:srgbClr val="3796BF"/>
-                </a:solidFill>
-                <a:latin typeface="Oswald"/>
-                <a:ea typeface="Oswald"/>
-                <a:cs typeface="Oswald"/>
-                <a:sym typeface="Oswald"/>
-              </a:defRPr>
-            </a:lvl2pPr>
-            <a:lvl3pPr marR="0" lvl="2" algn="l" rtl="0">
-              <a:lnSpc>
-                <a:spcPct val="100000"/>
-              </a:lnSpc>
-              <a:spcBef>
-                <a:spcPts val="0"/>
-              </a:spcBef>
-              <a:spcAft>
-                <a:spcPts val="0"/>
-              </a:spcAft>
-              <a:buClr>
-                <a:srgbClr val="3796BF"/>
-              </a:buClr>
-              <a:buSzPts val="3000"/>
-              <a:buFont typeface="Oswald"/>
-              <a:buNone/>
-              <a:defRPr sz="3000" b="1" i="0" u="none" strike="noStrike" cap="none">
-                <a:solidFill>
-                  <a:srgbClr val="3796BF"/>
-                </a:solidFill>
-                <a:latin typeface="Oswald"/>
-                <a:ea typeface="Oswald"/>
-                <a:cs typeface="Oswald"/>
-                <a:sym typeface="Oswald"/>
-              </a:defRPr>
-            </a:lvl3pPr>
-            <a:lvl4pPr marR="0" lvl="3" algn="l" rtl="0">
-              <a:lnSpc>
-                <a:spcPct val="100000"/>
-              </a:lnSpc>
-              <a:spcBef>
-                <a:spcPts val="0"/>
-              </a:spcBef>
-              <a:spcAft>
-                <a:spcPts val="0"/>
-              </a:spcAft>
-              <a:buClr>
-                <a:srgbClr val="3796BF"/>
-              </a:buClr>
-              <a:buSzPts val="3000"/>
-              <a:buFont typeface="Oswald"/>
-              <a:buNone/>
-              <a:defRPr sz="3000" b="1" i="0" u="none" strike="noStrike" cap="none">
-                <a:solidFill>
-                  <a:srgbClr val="3796BF"/>
-                </a:solidFill>
-                <a:latin typeface="Oswald"/>
-                <a:ea typeface="Oswald"/>
-                <a:cs typeface="Oswald"/>
-                <a:sym typeface="Oswald"/>
-              </a:defRPr>
-            </a:lvl4pPr>
-            <a:lvl5pPr marR="0" lvl="4" algn="l" rtl="0">
-              <a:lnSpc>
-                <a:spcPct val="100000"/>
-              </a:lnSpc>
-              <a:spcBef>
-                <a:spcPts val="0"/>
-              </a:spcBef>
-              <a:spcAft>
-                <a:spcPts val="0"/>
-              </a:spcAft>
-              <a:buClr>
-                <a:srgbClr val="3796BF"/>
-              </a:buClr>
-              <a:buSzPts val="3000"/>
-              <a:buFont typeface="Oswald"/>
-              <a:buNone/>
-              <a:defRPr sz="3000" b="1" i="0" u="none" strike="noStrike" cap="none">
-                <a:solidFill>
-                  <a:srgbClr val="3796BF"/>
-                </a:solidFill>
-                <a:latin typeface="Oswald"/>
-                <a:ea typeface="Oswald"/>
-                <a:cs typeface="Oswald"/>
-                <a:sym typeface="Oswald"/>
-              </a:defRPr>
-            </a:lvl5pPr>
-            <a:lvl6pPr marR="0" lvl="5" algn="l" rtl="0">
-              <a:lnSpc>
-                <a:spcPct val="100000"/>
-              </a:lnSpc>
-              <a:spcBef>
-                <a:spcPts val="0"/>
-              </a:spcBef>
-              <a:spcAft>
-                <a:spcPts val="0"/>
-              </a:spcAft>
-              <a:buClr>
-                <a:srgbClr val="3796BF"/>
-              </a:buClr>
-              <a:buSzPts val="3000"/>
-              <a:buFont typeface="Oswald"/>
-              <a:buNone/>
-              <a:defRPr sz="3000" b="1" i="0" u="none" strike="noStrike" cap="none">
-                <a:solidFill>
-                  <a:srgbClr val="3796BF"/>
-                </a:solidFill>
-                <a:latin typeface="Oswald"/>
-                <a:ea typeface="Oswald"/>
-                <a:cs typeface="Oswald"/>
-                <a:sym typeface="Oswald"/>
-              </a:defRPr>
-            </a:lvl6pPr>
-            <a:lvl7pPr marR="0" lvl="6" algn="l" rtl="0">
-              <a:lnSpc>
-                <a:spcPct val="100000"/>
-              </a:lnSpc>
-              <a:spcBef>
-                <a:spcPts val="0"/>
-              </a:spcBef>
-              <a:spcAft>
-                <a:spcPts val="0"/>
-              </a:spcAft>
-              <a:buClr>
-                <a:srgbClr val="3796BF"/>
-              </a:buClr>
-              <a:buSzPts val="3000"/>
-              <a:buFont typeface="Oswald"/>
-              <a:buNone/>
-              <a:defRPr sz="3000" b="1" i="0" u="none" strike="noStrike" cap="none">
-                <a:solidFill>
-                  <a:srgbClr val="3796BF"/>
-                </a:solidFill>
-                <a:latin typeface="Oswald"/>
-                <a:ea typeface="Oswald"/>
-                <a:cs typeface="Oswald"/>
-                <a:sym typeface="Oswald"/>
-              </a:defRPr>
-            </a:lvl7pPr>
-            <a:lvl8pPr marR="0" lvl="7" algn="l" rtl="0">
-              <a:lnSpc>
-                <a:spcPct val="100000"/>
-              </a:lnSpc>
-              <a:spcBef>
-                <a:spcPts val="0"/>
-              </a:spcBef>
-              <a:spcAft>
-                <a:spcPts val="0"/>
-              </a:spcAft>
-              <a:buClr>
-                <a:srgbClr val="3796BF"/>
-              </a:buClr>
-              <a:buSzPts val="3000"/>
-              <a:buFont typeface="Oswald"/>
-              <a:buNone/>
-              <a:defRPr sz="3000" b="1" i="0" u="none" strike="noStrike" cap="none">
-                <a:solidFill>
-                  <a:srgbClr val="3796BF"/>
-                </a:solidFill>
-                <a:latin typeface="Oswald"/>
-                <a:ea typeface="Oswald"/>
-                <a:cs typeface="Oswald"/>
-                <a:sym typeface="Oswald"/>
-              </a:defRPr>
-            </a:lvl8pPr>
-            <a:lvl9pPr marR="0" lvl="8" algn="l" rtl="0">
-              <a:lnSpc>
-                <a:spcPct val="100000"/>
-              </a:lnSpc>
-              <a:spcBef>
-                <a:spcPts val="0"/>
-              </a:spcBef>
-              <a:spcAft>
-                <a:spcPts val="0"/>
-              </a:spcAft>
-              <a:buClr>
-                <a:srgbClr val="3796BF"/>
-              </a:buClr>
-              <a:buSzPts val="3000"/>
-              <a:buFont typeface="Oswald"/>
-              <a:buNone/>
-              <a:defRPr sz="3000" b="1" i="0" u="none" strike="noStrike" cap="none">
-                <a:solidFill>
-                  <a:srgbClr val="3796BF"/>
-                </a:solidFill>
-                <a:latin typeface="Oswald"/>
-                <a:ea typeface="Oswald"/>
-                <a:cs typeface="Oswald"/>
-                <a:sym typeface="Oswald"/>
-              </a:defRPr>
-            </a:lvl9pPr>
-          </a:lstStyle>
           <a:p>
-            <a:pPr lvl="0">
-              <a:buClr>
-                <a:srgbClr val="000000"/>
-              </a:buClr>
-              <a:buSzTx/>
-            </a:pPr>
-            <a:r>
-              <a:rPr lang="en-US" b="0" dirty="0">
+            <a:r>
+              <a:rPr lang="en-US" sz="1800" dirty="0">
                 <a:solidFill>
                   <a:srgbClr val="808080"/>
                 </a:solidFill>
-                <a:latin typeface="Consolas" panose="020B0609020204030204" pitchFamily="49" charset="0"/>
-                <a:cs typeface="Angsana New" panose="02020603050405020304" pitchFamily="18" charset="-34"/>
-                <a:sym typeface="Arial"/>
+                <a:latin typeface="Angsana New" panose="02020603050405020304" pitchFamily="18" charset="-34"/>
+                <a:cs typeface="Angsana New" panose="02020603050405020304" pitchFamily="18" charset="-34"/>
               </a:rPr>
               <a:t>&lt;</a:t>
             </a:r>
             <a:r>
-              <a:rPr lang="en-US" b="0" dirty="0">
+              <a:rPr lang="en-US" sz="1800" dirty="0">
                 <a:solidFill>
                   <a:srgbClr val="569CD6"/>
                 </a:solidFill>
-                <a:latin typeface="Consolas" panose="020B0609020204030204" pitchFamily="49" charset="0"/>
-                <a:cs typeface="Angsana New" panose="02020603050405020304" pitchFamily="18" charset="-34"/>
-                <a:sym typeface="Arial"/>
-              </a:rPr>
-              <a:t>meta</a:t>
-            </a:r>
-            <a:r>
-              <a:rPr lang="en-US" b="0" dirty="0">
-                <a:solidFill>
-                  <a:srgbClr val="FFFFFF"/>
-                </a:solidFill>
-                <a:latin typeface="Consolas" panose="020B0609020204030204" pitchFamily="49" charset="0"/>
-                <a:cs typeface="Angsana New" panose="02020603050405020304" pitchFamily="18" charset="-34"/>
-                <a:sym typeface="Arial"/>
+                <a:latin typeface="Angsana New" panose="02020603050405020304" pitchFamily="18" charset="-34"/>
+                <a:cs typeface="Angsana New" panose="02020603050405020304" pitchFamily="18" charset="-34"/>
+              </a:rPr>
+              <a:t>script</a:t>
+            </a:r>
+            <a:r>
+              <a:rPr lang="th-TH" sz="1800" dirty="0">
+                <a:solidFill>
+                  <a:srgbClr val="569CD6"/>
+                </a:solidFill>
+                <a:latin typeface="Angsana New" panose="02020603050405020304" pitchFamily="18" charset="-34"/>
+                <a:cs typeface="Angsana New" panose="02020603050405020304" pitchFamily="18" charset="-34"/>
+              </a:rPr>
+              <a:t>  </a:t>
+            </a:r>
+            <a:r>
+              <a:rPr lang="en-US" sz="1800" dirty="0">
+                <a:solidFill>
+                  <a:srgbClr val="9CDCFE"/>
+                </a:solidFill>
+                <a:latin typeface="Angsana New" panose="02020603050405020304" pitchFamily="18" charset="-34"/>
+                <a:cs typeface="Angsana New" panose="02020603050405020304" pitchFamily="18" charset="-34"/>
+              </a:rPr>
+              <a:t>async</a:t>
+            </a:r>
+            <a:r>
+              <a:rPr lang="en-US" sz="1800" dirty="0">
+                <a:solidFill>
+                  <a:srgbClr val="569CD6"/>
+                </a:solidFill>
+                <a:latin typeface="Angsana New" panose="02020603050405020304" pitchFamily="18" charset="-34"/>
+                <a:cs typeface="Angsana New" panose="02020603050405020304" pitchFamily="18" charset="-34"/>
               </a:rPr>
               <a:t> </a:t>
             </a:r>
             <a:r>
-              <a:rPr lang="en-US" b="0" dirty="0">
+              <a:rPr lang="en-US" sz="1800" dirty="0" err="1">
                 <a:solidFill>
                   <a:srgbClr val="9CDCFE"/>
                 </a:solidFill>
-                <a:latin typeface="Consolas" panose="020B0609020204030204" pitchFamily="49" charset="0"/>
-                <a:cs typeface="Angsana New" panose="02020603050405020304" pitchFamily="18" charset="-34"/>
-                <a:sym typeface="Arial"/>
-              </a:rPr>
-              <a:t>charset</a:t>
-            </a:r>
-            <a:r>
-              <a:rPr lang="en-US" b="0" dirty="0">
-                <a:solidFill>
-                  <a:srgbClr val="000000"/>
-                </a:solidFill>
-                <a:latin typeface="Consolas" panose="020B0609020204030204" pitchFamily="49" charset="0"/>
-                <a:cs typeface="Angsana New" panose="02020603050405020304" pitchFamily="18" charset="-34"/>
-                <a:sym typeface="Arial"/>
-              </a:rPr>
-              <a:t>=</a:t>
-            </a:r>
-            <a:r>
-              <a:rPr lang="en-US" b="0" dirty="0">
+                <a:latin typeface="Angsana New" panose="02020603050405020304" pitchFamily="18" charset="-34"/>
+                <a:cs typeface="Angsana New" panose="02020603050405020304" pitchFamily="18" charset="-34"/>
+              </a:rPr>
+              <a:t>src</a:t>
+            </a:r>
+            <a:r>
+              <a:rPr lang="en-US" sz="1800" dirty="0">
+                <a:solidFill>
+                  <a:srgbClr val="569CD6"/>
+                </a:solidFill>
+                <a:latin typeface="Angsana New" panose="02020603050405020304" pitchFamily="18" charset="-34"/>
+                <a:cs typeface="Angsana New" panose="02020603050405020304" pitchFamily="18" charset="-34"/>
+              </a:rPr>
+              <a:t>="</a:t>
+            </a:r>
+            <a:r>
+              <a:rPr lang="en-US" sz="1800" dirty="0">
                 <a:solidFill>
                   <a:srgbClr val="CE9178"/>
                 </a:solidFill>
-                <a:latin typeface="Consolas" panose="020B0609020204030204" pitchFamily="49" charset="0"/>
-                <a:cs typeface="Angsana New" panose="02020603050405020304" pitchFamily="18" charset="-34"/>
-                <a:sym typeface="Arial"/>
-              </a:rPr>
-              <a:t>"UTF-8"</a:t>
-            </a:r>
-            <a:r>
-              <a:rPr lang="en-US" b="0" dirty="0">
+                <a:latin typeface="Angsana New" panose="02020603050405020304" pitchFamily="18" charset="-34"/>
+                <a:cs typeface="Angsana New" panose="02020603050405020304" pitchFamily="18" charset="-34"/>
+              </a:rPr>
+              <a:t>function.js</a:t>
+            </a:r>
+            <a:r>
+              <a:rPr lang="en-US" sz="1800" dirty="0">
+                <a:solidFill>
+                  <a:srgbClr val="569CD6"/>
+                </a:solidFill>
+                <a:latin typeface="Angsana New" panose="02020603050405020304" pitchFamily="18" charset="-34"/>
+                <a:cs typeface="Angsana New" panose="02020603050405020304" pitchFamily="18" charset="-34"/>
+              </a:rPr>
+              <a:t>"</a:t>
+            </a:r>
+            <a:r>
+              <a:rPr lang="en-US" sz="1800" dirty="0">
                 <a:solidFill>
                   <a:srgbClr val="808080"/>
                 </a:solidFill>
-                <a:latin typeface="Consolas" panose="020B0609020204030204" pitchFamily="49" charset="0"/>
-                <a:cs typeface="Angsana New" panose="02020603050405020304" pitchFamily="18" charset="-34"/>
-                <a:sym typeface="Arial"/>
-              </a:rPr>
-              <a:t>&gt;</a:t>
-            </a:r>
-            <a:endParaRPr lang="en-US" b="0" dirty="0">
-              <a:solidFill>
-                <a:srgbClr val="FFFFFF"/>
-              </a:solidFill>
-              <a:latin typeface="Consolas" panose="020B0609020204030204" pitchFamily="49" charset="0"/>
-              <a:cs typeface="Angsana New" panose="02020603050405020304" pitchFamily="18" charset="-34"/>
-              <a:sym typeface="Arial"/>
-            </a:endParaRPr>
-          </a:p>
-        </p:txBody>
-      </p:sp>
-      <p:sp>
-        <p:nvSpPr>
-          <p:cNvPr id="8" name="Text Placeholder 7">
-            <a:extLst>
-              <a:ext uri="{FF2B5EF4-FFF2-40B4-BE49-F238E27FC236}">
-                <a16:creationId xmlns:a16="http://schemas.microsoft.com/office/drawing/2014/main" id="{AC2A65AD-FA11-44D0-ADCC-AE1E2B41DF3F}"/>
-              </a:ext>
-            </a:extLst>
-          </p:cNvPr>
-          <p:cNvSpPr txBox="1">
-            <a:spLocks/>
-          </p:cNvSpPr>
-          <p:nvPr/>
-        </p:nvSpPr>
-        <p:spPr>
-          <a:xfrm>
-            <a:off x="770021" y="3506339"/>
-            <a:ext cx="7786763" cy="1425805"/>
-          </a:xfrm>
-          <a:prstGeom prst="rect">
-            <a:avLst/>
-          </a:prstGeom>
-          <a:noFill/>
-          <a:ln>
-            <a:noFill/>
-          </a:ln>
-        </p:spPr>
-        <p:txBody>
-          <a:bodyPr spcFirstLastPara="1" wrap="square" lIns="91425" tIns="91425" rIns="91425" bIns="91425" anchor="t" anchorCtr="0">
-            <a:noAutofit/>
-          </a:bodyPr>
-          <a:lstStyle>
-            <a:defPPr marR="0" lvl="0" algn="l" rtl="0">
-              <a:lnSpc>
-                <a:spcPct val="100000"/>
-              </a:lnSpc>
-              <a:spcBef>
-                <a:spcPts val="0"/>
-              </a:spcBef>
-              <a:spcAft>
-                <a:spcPts val="0"/>
-              </a:spcAft>
-            </a:defPPr>
-            <a:lvl1pPr marL="457200" marR="0" lvl="0" indent="-355600" algn="l" rtl="0">
-              <a:lnSpc>
-                <a:spcPct val="100000"/>
-              </a:lnSpc>
-              <a:spcBef>
-                <a:spcPts val="600"/>
-              </a:spcBef>
-              <a:spcAft>
-                <a:spcPts val="0"/>
-              </a:spcAft>
-              <a:buClr>
-                <a:srgbClr val="4BB5D9"/>
-              </a:buClr>
-              <a:buSzPts val="2000"/>
-              <a:buFont typeface="Roboto Condensed"/>
-              <a:buChar char="»"/>
-              <a:defRPr sz="2000" b="0" i="0" u="none" strike="noStrike" cap="none">
-                <a:solidFill>
-                  <a:srgbClr val="607896"/>
-                </a:solidFill>
-                <a:latin typeface="Roboto Condensed"/>
-                <a:ea typeface="Roboto Condensed"/>
-                <a:cs typeface="Roboto Condensed"/>
-                <a:sym typeface="Roboto Condensed"/>
-              </a:defRPr>
-            </a:lvl1pPr>
-            <a:lvl2pPr marL="914400" marR="0" lvl="1" indent="-355600" algn="l" rtl="0">
-              <a:lnSpc>
-                <a:spcPct val="100000"/>
-              </a:lnSpc>
-              <a:spcBef>
-                <a:spcPts val="0"/>
-              </a:spcBef>
-              <a:spcAft>
-                <a:spcPts val="0"/>
-              </a:spcAft>
-              <a:buClr>
-                <a:srgbClr val="4BB5D9"/>
-              </a:buClr>
-              <a:buSzPts val="2000"/>
-              <a:buFont typeface="Roboto Condensed"/>
-              <a:buChar char="⋄"/>
-              <a:defRPr sz="2000" b="0" i="0" u="none" strike="noStrike" cap="none">
-                <a:solidFill>
-                  <a:srgbClr val="607896"/>
-                </a:solidFill>
-                <a:latin typeface="Roboto Condensed"/>
-                <a:ea typeface="Roboto Condensed"/>
-                <a:cs typeface="Roboto Condensed"/>
-                <a:sym typeface="Roboto Condensed"/>
-              </a:defRPr>
-            </a:lvl2pPr>
-            <a:lvl3pPr marL="1371600" marR="0" lvl="2" indent="-355600" algn="l" rtl="0">
-              <a:lnSpc>
-                <a:spcPct val="100000"/>
-              </a:lnSpc>
-              <a:spcBef>
-                <a:spcPts val="0"/>
-              </a:spcBef>
-              <a:spcAft>
-                <a:spcPts val="0"/>
-              </a:spcAft>
-              <a:buClr>
-                <a:srgbClr val="607896"/>
-              </a:buClr>
-              <a:buSzPts val="2000"/>
-              <a:buFont typeface="Roboto Condensed"/>
-              <a:buChar char="⋄"/>
-              <a:defRPr sz="2000" b="0" i="0" u="none" strike="noStrike" cap="none">
-                <a:solidFill>
-                  <a:srgbClr val="607896"/>
-                </a:solidFill>
-                <a:latin typeface="Roboto Condensed"/>
-                <a:ea typeface="Roboto Condensed"/>
-                <a:cs typeface="Roboto Condensed"/>
-                <a:sym typeface="Roboto Condensed"/>
-              </a:defRPr>
-            </a:lvl3pPr>
-            <a:lvl4pPr marL="1828800" marR="0" lvl="3" indent="-355600" algn="l" rtl="0">
-              <a:lnSpc>
-                <a:spcPct val="100000"/>
-              </a:lnSpc>
-              <a:spcBef>
-                <a:spcPts val="0"/>
-              </a:spcBef>
-              <a:spcAft>
-                <a:spcPts val="0"/>
-              </a:spcAft>
-              <a:buClr>
-                <a:srgbClr val="607896"/>
-              </a:buClr>
-              <a:buSzPts val="2000"/>
-              <a:buFont typeface="Roboto Condensed"/>
-              <a:buChar char="⋄"/>
-              <a:defRPr sz="2000" b="0" i="0" u="none" strike="noStrike" cap="none">
-                <a:solidFill>
-                  <a:srgbClr val="607896"/>
-                </a:solidFill>
-                <a:latin typeface="Roboto Condensed"/>
-                <a:ea typeface="Roboto Condensed"/>
-                <a:cs typeface="Roboto Condensed"/>
-                <a:sym typeface="Roboto Condensed"/>
-              </a:defRPr>
-            </a:lvl4pPr>
-            <a:lvl5pPr marL="2286000" marR="0" lvl="4" indent="-355600" algn="l" rtl="0">
-              <a:lnSpc>
-                <a:spcPct val="100000"/>
-              </a:lnSpc>
-              <a:spcBef>
-                <a:spcPts val="0"/>
-              </a:spcBef>
-              <a:spcAft>
-                <a:spcPts val="0"/>
-              </a:spcAft>
-              <a:buClr>
-                <a:srgbClr val="607896"/>
-              </a:buClr>
-              <a:buSzPts val="2000"/>
-              <a:buFont typeface="Roboto Condensed"/>
-              <a:buChar char="⋄"/>
-              <a:defRPr sz="2000" b="0" i="0" u="none" strike="noStrike" cap="none">
-                <a:solidFill>
-                  <a:srgbClr val="607896"/>
-                </a:solidFill>
-                <a:latin typeface="Roboto Condensed"/>
-                <a:ea typeface="Roboto Condensed"/>
-                <a:cs typeface="Roboto Condensed"/>
-                <a:sym typeface="Roboto Condensed"/>
-              </a:defRPr>
-            </a:lvl5pPr>
-            <a:lvl6pPr marL="2743200" marR="0" lvl="5" indent="-355600" algn="l" rtl="0">
-              <a:lnSpc>
-                <a:spcPct val="100000"/>
-              </a:lnSpc>
-              <a:spcBef>
-                <a:spcPts val="0"/>
-              </a:spcBef>
-              <a:spcAft>
-                <a:spcPts val="0"/>
-              </a:spcAft>
-              <a:buClr>
-                <a:srgbClr val="607896"/>
-              </a:buClr>
-              <a:buSzPts val="2000"/>
-              <a:buFont typeface="Roboto Condensed"/>
-              <a:buChar char="⋄"/>
-              <a:defRPr sz="2000" b="0" i="0" u="none" strike="noStrike" cap="none">
-                <a:solidFill>
-                  <a:srgbClr val="607896"/>
-                </a:solidFill>
-                <a:latin typeface="Roboto Condensed"/>
-                <a:ea typeface="Roboto Condensed"/>
-                <a:cs typeface="Roboto Condensed"/>
-                <a:sym typeface="Roboto Condensed"/>
-              </a:defRPr>
-            </a:lvl6pPr>
-            <a:lvl7pPr marL="3200400" marR="0" lvl="6" indent="-355600" algn="l" rtl="0">
-              <a:lnSpc>
-                <a:spcPct val="100000"/>
-              </a:lnSpc>
-              <a:spcBef>
-                <a:spcPts val="0"/>
-              </a:spcBef>
-              <a:spcAft>
-                <a:spcPts val="0"/>
-              </a:spcAft>
-              <a:buClr>
-                <a:srgbClr val="607896"/>
-              </a:buClr>
-              <a:buSzPts val="2000"/>
-              <a:buFont typeface="Roboto Condensed"/>
-              <a:buChar char="●"/>
-              <a:defRPr sz="2000" b="0" i="0" u="none" strike="noStrike" cap="none">
-                <a:solidFill>
-                  <a:srgbClr val="607896"/>
-                </a:solidFill>
-                <a:latin typeface="Roboto Condensed"/>
-                <a:ea typeface="Roboto Condensed"/>
-                <a:cs typeface="Roboto Condensed"/>
-                <a:sym typeface="Roboto Condensed"/>
-              </a:defRPr>
-            </a:lvl7pPr>
-            <a:lvl8pPr marL="3657600" marR="0" lvl="7" indent="-355600" algn="l" rtl="0">
-              <a:lnSpc>
-                <a:spcPct val="100000"/>
-              </a:lnSpc>
-              <a:spcBef>
-                <a:spcPts val="0"/>
-              </a:spcBef>
-              <a:spcAft>
-                <a:spcPts val="0"/>
-              </a:spcAft>
-              <a:buClr>
-                <a:srgbClr val="607896"/>
-              </a:buClr>
-              <a:buSzPts val="2000"/>
-              <a:buFont typeface="Roboto Condensed"/>
-              <a:buChar char="○"/>
-              <a:defRPr sz="2000" b="0" i="0" u="none" strike="noStrike" cap="none">
-                <a:solidFill>
-                  <a:srgbClr val="607896"/>
-                </a:solidFill>
-                <a:latin typeface="Roboto Condensed"/>
-                <a:ea typeface="Roboto Condensed"/>
-                <a:cs typeface="Roboto Condensed"/>
-                <a:sym typeface="Roboto Condensed"/>
-              </a:defRPr>
-            </a:lvl8pPr>
-            <a:lvl9pPr marL="4114800" marR="0" lvl="8" indent="-355600" algn="l" rtl="0">
-              <a:lnSpc>
-                <a:spcPct val="100000"/>
-              </a:lnSpc>
-              <a:spcBef>
-                <a:spcPts val="0"/>
-              </a:spcBef>
-              <a:spcAft>
-                <a:spcPts val="0"/>
-              </a:spcAft>
-              <a:buClr>
-                <a:srgbClr val="607896"/>
-              </a:buClr>
-              <a:buSzPts val="2000"/>
-              <a:buFont typeface="Roboto Condensed"/>
-              <a:buChar char="■"/>
-              <a:defRPr sz="2000" b="0" i="0" u="none" strike="noStrike" cap="none">
-                <a:solidFill>
-                  <a:srgbClr val="607896"/>
-                </a:solidFill>
-                <a:latin typeface="Roboto Condensed"/>
-                <a:ea typeface="Roboto Condensed"/>
-                <a:cs typeface="Roboto Condensed"/>
-                <a:sym typeface="Roboto Condensed"/>
-              </a:defRPr>
-            </a:lvl9pPr>
-          </a:lstStyle>
-          <a:p>
+                <a:latin typeface="Angsana New" panose="02020603050405020304" pitchFamily="18" charset="-34"/>
+                <a:cs typeface="Angsana New" panose="02020603050405020304" pitchFamily="18" charset="-34"/>
+              </a:rPr>
+              <a:t>&gt;&lt;/</a:t>
+            </a:r>
             <a:r>
               <a:rPr lang="en-US" sz="1800" dirty="0">
                 <a:solidFill>
+                  <a:srgbClr val="569CD6"/>
+                </a:solidFill>
+                <a:latin typeface="Angsana New" panose="02020603050405020304" pitchFamily="18" charset="-34"/>
+                <a:cs typeface="Angsana New" panose="02020603050405020304" pitchFamily="18" charset="-34"/>
+              </a:rPr>
+              <a:t>script</a:t>
+            </a:r>
+            <a:r>
+              <a:rPr lang="th-TH" sz="1800" dirty="0">
+                <a:solidFill>
+                  <a:srgbClr val="569CD6"/>
+                </a:solidFill>
+                <a:latin typeface="Angsana New" panose="02020603050405020304" pitchFamily="18" charset="-34"/>
+                <a:cs typeface="Angsana New" panose="02020603050405020304" pitchFamily="18" charset="-34"/>
+              </a:rPr>
+              <a:t> </a:t>
+            </a:r>
+            <a:r>
+              <a:rPr lang="en-US" sz="1800" dirty="0">
+                <a:solidFill>
+                  <a:srgbClr val="808080"/>
+                </a:solidFill>
+                <a:latin typeface="Angsana New" panose="02020603050405020304" pitchFamily="18" charset="-34"/>
+                <a:cs typeface="Angsana New" panose="02020603050405020304" pitchFamily="18" charset="-34"/>
+              </a:rPr>
+              <a:t>&gt; </a:t>
+            </a:r>
+            <a:r>
+              <a:rPr lang="th-TH" sz="1800" dirty="0">
+                <a:solidFill>
                   <a:schemeClr val="tx1"/>
                 </a:solidFill>
                 <a:latin typeface="Angsana New" panose="02020603050405020304" pitchFamily="18" charset="-34"/>
                 <a:cs typeface="Angsana New" panose="02020603050405020304" pitchFamily="18" charset="-34"/>
               </a:rPr>
-              <a:t> </a:t>
-            </a:r>
-            <a:r>
-              <a:rPr lang="th-TH" sz="1800" dirty="0">
+              <a:t>เลือกใช้ </a:t>
+            </a:r>
+            <a:r>
+              <a:rPr lang="en-US" sz="1800" dirty="0">
                 <a:solidFill>
                   <a:schemeClr val="tx1"/>
                 </a:solidFill>
                 <a:latin typeface="Angsana New" panose="02020603050405020304" pitchFamily="18" charset="-34"/>
                 <a:cs typeface="Angsana New" panose="02020603050405020304" pitchFamily="18" charset="-34"/>
               </a:rPr>
-              <a:t>เป็นการการกำหนดชุดตัวอักษร</a:t>
+              <a:t>File </a:t>
+            </a:r>
+            <a:r>
+              <a:rPr lang="en-US" sz="1800" dirty="0" err="1">
+                <a:solidFill>
+                  <a:schemeClr val="tx1"/>
+                </a:solidFill>
+                <a:latin typeface="Angsana New" panose="02020603050405020304" pitchFamily="18" charset="-34"/>
+                <a:cs typeface="Angsana New" panose="02020603050405020304" pitchFamily="18" charset="-34"/>
+              </a:rPr>
+              <a:t>Javascript</a:t>
             </a:r>
             <a:endParaRPr lang="en-US" sz="1800" dirty="0">
               <a:solidFill>
@@ -44177,43 +43410,156 @@
           </a:p>
           <a:p>
             <a:r>
+              <a:rPr lang="en-US" sz="1800" dirty="0">
+                <a:solidFill>
+                  <a:srgbClr val="808080"/>
+                </a:solidFill>
+                <a:latin typeface="Angsana New" panose="02020603050405020304" pitchFamily="18" charset="-34"/>
+                <a:cs typeface="Angsana New" panose="02020603050405020304" pitchFamily="18" charset="-34"/>
+              </a:rPr>
+              <a:t>&lt;</a:t>
+            </a:r>
+            <a:r>
+              <a:rPr lang="en-US" sz="1800" dirty="0">
+                <a:solidFill>
+                  <a:srgbClr val="569CD6"/>
+                </a:solidFill>
+                <a:latin typeface="Angsana New" panose="02020603050405020304" pitchFamily="18" charset="-34"/>
+                <a:cs typeface="Angsana New" panose="02020603050405020304" pitchFamily="18" charset="-34"/>
+              </a:rPr>
+              <a:t>link </a:t>
+            </a:r>
+            <a:r>
+              <a:rPr lang="en-US" sz="1800" dirty="0" err="1">
+                <a:solidFill>
+                  <a:srgbClr val="9CDCFE"/>
+                </a:solidFill>
+                <a:latin typeface="Angsana New" panose="02020603050405020304" pitchFamily="18" charset="-34"/>
+                <a:cs typeface="Angsana New" panose="02020603050405020304" pitchFamily="18" charset="-34"/>
+              </a:rPr>
+              <a:t>rel</a:t>
+            </a:r>
+            <a:r>
+              <a:rPr lang="en-US" sz="1800" dirty="0">
+                <a:solidFill>
+                  <a:srgbClr val="569CD6"/>
+                </a:solidFill>
+                <a:latin typeface="Angsana New" panose="02020603050405020304" pitchFamily="18" charset="-34"/>
+                <a:cs typeface="Angsana New" panose="02020603050405020304" pitchFamily="18" charset="-34"/>
+              </a:rPr>
+              <a:t>="</a:t>
+            </a:r>
+            <a:r>
+              <a:rPr lang="en-US" sz="1800" dirty="0">
+                <a:solidFill>
+                  <a:srgbClr val="CE9178"/>
+                </a:solidFill>
+                <a:latin typeface="Angsana New" panose="02020603050405020304" pitchFamily="18" charset="-34"/>
+                <a:cs typeface="Angsana New" panose="02020603050405020304" pitchFamily="18" charset="-34"/>
+              </a:rPr>
+              <a:t>stylesheet</a:t>
+            </a:r>
+            <a:r>
+              <a:rPr lang="en-US" sz="1800" dirty="0">
+                <a:solidFill>
+                  <a:srgbClr val="569CD6"/>
+                </a:solidFill>
+                <a:latin typeface="Angsana New" panose="02020603050405020304" pitchFamily="18" charset="-34"/>
+                <a:cs typeface="Angsana New" panose="02020603050405020304" pitchFamily="18" charset="-34"/>
+              </a:rPr>
+              <a:t>" </a:t>
+            </a:r>
+            <a:r>
+              <a:rPr lang="en-US" sz="1800" dirty="0" err="1">
+                <a:solidFill>
+                  <a:srgbClr val="9CDCFE"/>
+                </a:solidFill>
+                <a:latin typeface="Angsana New" panose="02020603050405020304" pitchFamily="18" charset="-34"/>
+                <a:cs typeface="Angsana New" panose="02020603050405020304" pitchFamily="18" charset="-34"/>
+              </a:rPr>
+              <a:t>href</a:t>
+            </a:r>
+            <a:r>
+              <a:rPr lang="en-US" sz="1800" dirty="0">
+                <a:solidFill>
+                  <a:srgbClr val="569CD6"/>
+                </a:solidFill>
+                <a:latin typeface="Angsana New" panose="02020603050405020304" pitchFamily="18" charset="-34"/>
+                <a:cs typeface="Angsana New" panose="02020603050405020304" pitchFamily="18" charset="-34"/>
+              </a:rPr>
+              <a:t> ="</a:t>
+            </a:r>
+            <a:r>
+              <a:rPr lang="en-US" sz="1800" dirty="0">
+                <a:solidFill>
+                  <a:srgbClr val="CE9178"/>
+                </a:solidFill>
+                <a:latin typeface="Angsana New" panose="02020603050405020304" pitchFamily="18" charset="-34"/>
+                <a:cs typeface="Angsana New" panose="02020603050405020304" pitchFamily="18" charset="-34"/>
+              </a:rPr>
+              <a:t>styles.css</a:t>
+            </a:r>
+            <a:r>
+              <a:rPr lang="en-US" sz="1800" dirty="0">
+                <a:solidFill>
+                  <a:srgbClr val="569CD6"/>
+                </a:solidFill>
+                <a:latin typeface="Angsana New" panose="02020603050405020304" pitchFamily="18" charset="-34"/>
+                <a:cs typeface="Angsana New" panose="02020603050405020304" pitchFamily="18" charset="-34"/>
+              </a:rPr>
+              <a:t>"</a:t>
+            </a:r>
+            <a:r>
+              <a:rPr lang="en-US" sz="1800" dirty="0">
+                <a:solidFill>
+                  <a:srgbClr val="808080"/>
+                </a:solidFill>
+                <a:latin typeface="Angsana New" panose="02020603050405020304" pitchFamily="18" charset="-34"/>
+                <a:cs typeface="Angsana New" panose="02020603050405020304" pitchFamily="18" charset="-34"/>
+              </a:rPr>
+              <a:t>&gt; </a:t>
+            </a:r>
+            <a:r>
               <a:rPr lang="th-TH" sz="1800" dirty="0">
                 <a:solidFill>
-                  <a:srgbClr val="000000"/>
+                  <a:schemeClr val="tx1"/>
                 </a:solidFill>
                 <a:latin typeface="Angsana New" panose="02020603050405020304" pitchFamily="18" charset="-34"/>
                 <a:cs typeface="Angsana New" panose="02020603050405020304" pitchFamily="18" charset="-34"/>
               </a:rPr>
-              <a:t>ดูรหัส</a:t>
+              <a:t>เลือกใช้ </a:t>
             </a:r>
             <a:r>
               <a:rPr lang="en-US" sz="1800" dirty="0">
                 <a:solidFill>
-                  <a:srgbClr val="9CDCFE"/>
+                  <a:schemeClr val="tx1"/>
                 </a:solidFill>
                 <a:latin typeface="Angsana New" panose="02020603050405020304" pitchFamily="18" charset="-34"/>
                 <a:cs typeface="Angsana New" panose="02020603050405020304" pitchFamily="18" charset="-34"/>
               </a:rPr>
-              <a:t> charset </a:t>
-            </a:r>
-            <a:r>
-              <a:rPr lang="th-TH" sz="1800" dirty="0">
-                <a:solidFill>
-                  <a:srgbClr val="000000"/>
+              <a:t>File Stylesheet</a:t>
+            </a:r>
+            <a:endParaRPr lang="en-US" sz="1800" dirty="0">
+              <a:solidFill>
+                <a:srgbClr val="808080"/>
+              </a:solidFill>
+              <a:latin typeface="Angsana New" panose="02020603050405020304" pitchFamily="18" charset="-34"/>
+              <a:cs typeface="Angsana New" panose="02020603050405020304" pitchFamily="18" charset="-34"/>
+            </a:endParaRPr>
+          </a:p>
+          <a:p>
+            <a:pPr marL="101600" indent="0">
+              <a:buNone/>
+            </a:pPr>
+            <a:br>
+              <a:rPr lang="en-US" sz="1800" dirty="0">
+                <a:solidFill>
+                  <a:schemeClr val="tx1"/>
                 </a:solidFill>
                 <a:latin typeface="Angsana New" panose="02020603050405020304" pitchFamily="18" charset="-34"/>
                 <a:cs typeface="Angsana New" panose="02020603050405020304" pitchFamily="18" charset="-34"/>
               </a:rPr>
-              <a:t>เพิ่มเติมได้ที่ </a:t>
-            </a:r>
-            <a:r>
-              <a:rPr lang="en-US" sz="1800" dirty="0">
-                <a:latin typeface="Angsana New" panose="02020603050405020304" pitchFamily="18" charset="-34"/>
-                <a:cs typeface="Angsana New" panose="02020603050405020304" pitchFamily="18" charset="-34"/>
-                <a:hlinkClick r:id="rId2"/>
-              </a:rPr>
-              <a:t>https://www.w3schools.com/html/html_charset.asp</a:t>
-            </a:r>
+            </a:br>
             <a:endParaRPr lang="en-US" sz="1800" dirty="0">
               <a:solidFill>
                 <a:schemeClr val="tx1"/>
@@ -44308,7 +43654,7 @@
         </p:nvSpPr>
         <p:spPr>
           <a:xfrm>
-            <a:off x="1318721" y="931583"/>
+            <a:off x="1694046" y="2514309"/>
             <a:ext cx="6153837" cy="809785"/>
           </a:xfrm>
           <a:prstGeom prst="rect">
@@ -44641,7 +43987,7 @@
         </p:nvSpPr>
         <p:spPr>
           <a:xfrm>
-            <a:off x="1318721" y="1586098"/>
+            <a:off x="1694046" y="3168824"/>
             <a:ext cx="7786763" cy="680651"/>
           </a:xfrm>
           <a:prstGeom prst="rect">
@@ -44939,10 +44285,10 @@
       </p:sp>
       <p:sp>
         <p:nvSpPr>
-          <p:cNvPr id="7" name="Title 6">
+          <p:cNvPr id="9" name="Title 6">
             <a:extLst>
               <a:ext uri="{FF2B5EF4-FFF2-40B4-BE49-F238E27FC236}">
-                <a16:creationId xmlns:a16="http://schemas.microsoft.com/office/drawing/2014/main" id="{035CD3E3-F146-48C2-ACC2-6F31F368FD8B}"/>
+                <a16:creationId xmlns:a16="http://schemas.microsoft.com/office/drawing/2014/main" id="{69821F63-66FD-437F-9B5E-5CEEA422D8EA}"/>
               </a:ext>
             </a:extLst>
           </p:cNvPr>
@@ -44953,7 +44299,7 @@
         </p:nvSpPr>
         <p:spPr>
           <a:xfrm>
-            <a:off x="1318721" y="2439605"/>
+            <a:off x="1694046" y="491430"/>
             <a:ext cx="6153837" cy="809785"/>
           </a:xfrm>
           <a:prstGeom prst="rect">
@@ -45312,10 +44658,10 @@
       </p:sp>
       <p:sp>
         <p:nvSpPr>
-          <p:cNvPr id="8" name="Text Placeholder 7">
+          <p:cNvPr id="10" name="Text Placeholder 7">
             <a:extLst>
               <a:ext uri="{FF2B5EF4-FFF2-40B4-BE49-F238E27FC236}">
-                <a16:creationId xmlns:a16="http://schemas.microsoft.com/office/drawing/2014/main" id="{9761EDE4-2D43-420B-9128-E81CA1E0DC46}"/>
+                <a16:creationId xmlns:a16="http://schemas.microsoft.com/office/drawing/2014/main" id="{71DEE189-577F-4FC3-BA08-BB323541EA61}"/>
               </a:ext>
             </a:extLst>
           </p:cNvPr>
@@ -45326,7 +44672,7 @@
         </p:nvSpPr>
         <p:spPr>
           <a:xfrm>
-            <a:off x="1318721" y="3094120"/>
+            <a:off x="1694046" y="1145945"/>
             <a:ext cx="7786763" cy="1425805"/>
           </a:xfrm>
           <a:prstGeom prst="rect">
@@ -45727,7 +45073,7 @@
                 <a:latin typeface="Angsana New" panose="02020603050405020304" pitchFamily="18" charset="-34"/>
                 <a:cs typeface="Angsana New" panose="02020603050405020304" pitchFamily="18" charset="-34"/>
               </a:rPr>
-              <a:t>สรุปในการสร้างเว็บสักหน้าขึ้นมาจะต้องมี </a:t>
+              <a:t>สรุปในการสร้างเว็บหนึ่งหน้าขึ้นมาจะต้องมี </a:t>
             </a:r>
             <a:r>
               <a:rPr lang="en-US" dirty="0">
@@ -45741,7 +45087,7 @@
                 <a:latin typeface="Angsana New" panose="02020603050405020304" pitchFamily="18" charset="-34"/>
                 <a:cs typeface="Angsana New" panose="02020603050405020304" pitchFamily="18" charset="-34"/>
               </a:rPr>
-              <a:t>เหลานี้เป็นองค์ประกอบหลักเสมอ</a:t>
+              <a:t>เหล่านี้เป็นองค์ประกอบหลักเสมอ</a:t>
             </a:r>
             <a:endParaRPr lang="en-US" dirty="0">
               <a:latin typeface="Angsana New" panose="02020603050405020304" pitchFamily="18" charset="-34"/>
@@ -45803,7 +45149,7 @@
         <p:spPr>
           <a:xfrm>
             <a:off x="248793" y="1230438"/>
-            <a:ext cx="7275286" cy="3754874"/>
+            <a:ext cx="7275286" cy="3705630"/>
           </a:xfrm>
           <a:prstGeom prst="rect">
             <a:avLst/>
@@ -45816,7 +45162,7 @@
           <a:lstStyle/>
           <a:p>
             <a:r>
-              <a:rPr lang="en-US" dirty="0">
+              <a:rPr lang="en-US" sz="1200" dirty="0">
                 <a:solidFill>
                   <a:srgbClr val="808080"/>
                 </a:solidFill>
@@ -45825,7 +45171,7 @@
               <a:t>&lt;!</a:t>
             </a:r>
             <a:r>
-              <a:rPr lang="en-US" dirty="0">
+              <a:rPr lang="en-US" sz="1200" dirty="0">
                 <a:solidFill>
                   <a:srgbClr val="569CD6"/>
                 </a:solidFill>
@@ -45834,7 +45180,7 @@
               <a:t>DOCTYPE</a:t>
             </a:r>
             <a:r>
-              <a:rPr lang="en-US" dirty="0">
+              <a:rPr lang="en-US" sz="1200" dirty="0">
                 <a:solidFill>
                   <a:srgbClr val="FFFFFF"/>
                 </a:solidFill>
@@ -45843,7 +45189,7 @@
               <a:t> </a:t>
             </a:r>
             <a:r>
-              <a:rPr lang="en-US" dirty="0">
+              <a:rPr lang="en-US" sz="1200" dirty="0">
                 <a:solidFill>
                   <a:srgbClr val="9CDCFE"/>
                 </a:solidFill>
@@ -45852,7 +45198,7 @@
               <a:t>html</a:t>
             </a:r>
             <a:r>
-              <a:rPr lang="en-US" dirty="0">
+              <a:rPr lang="en-US" sz="1200" dirty="0">
                 <a:solidFill>
                   <a:srgbClr val="808080"/>
                 </a:solidFill>
@@ -45863,7 +45209,7 @@
           </a:p>
           <a:p>
             <a:r>
-              <a:rPr lang="en-US" dirty="0">
+              <a:rPr lang="en-US" sz="1200" dirty="0">
                 <a:solidFill>
                   <a:srgbClr val="808080"/>
                 </a:solidFill>
@@ -45872,7 +45218,7 @@
               <a:t>&lt;</a:t>
             </a:r>
             <a:r>
-              <a:rPr lang="en-US" dirty="0">
+              <a:rPr lang="en-US" sz="1200" dirty="0">
                 <a:solidFill>
                   <a:srgbClr val="569CD6"/>
                 </a:solidFill>
@@ -45881,7 +45227,7 @@
               <a:t>html</a:t>
             </a:r>
             <a:r>
-              <a:rPr lang="en-US" dirty="0">
+              <a:rPr lang="en-US" sz="1200" dirty="0">
                 <a:solidFill>
                   <a:srgbClr val="FFFFFF"/>
                 </a:solidFill>
@@ -45890,7 +45236,7 @@
               <a:t> </a:t>
             </a:r>
             <a:r>
-              <a:rPr lang="en-US" dirty="0" err="1">
+              <a:rPr lang="en-US" sz="1200" dirty="0" err="1">
                 <a:solidFill>
                   <a:srgbClr val="9CDCFE"/>
                 </a:solidFill>
@@ -45899,7 +45245,7 @@
               <a:t>lang</a:t>
             </a:r>
             <a:r>
-              <a:rPr lang="en-US" dirty="0">
+              <a:rPr lang="en-US" sz="1200" dirty="0">
                 <a:solidFill>
                   <a:srgbClr val="FFFFFF"/>
                 </a:solidFill>
@@ -45908,7 +45254,7 @@
               <a:t>=</a:t>
             </a:r>
             <a:r>
-              <a:rPr lang="en-US" dirty="0">
+              <a:rPr lang="en-US" sz="1200" dirty="0">
                 <a:solidFill>
                   <a:srgbClr val="CE9178"/>
                 </a:solidFill>
@@ -45917,7 +45263,7 @@
               <a:t>"</a:t>
             </a:r>
             <a:r>
-              <a:rPr lang="en-US" dirty="0" err="1">
+              <a:rPr lang="en-US" sz="1200" dirty="0" err="1">
                 <a:solidFill>
                   <a:srgbClr val="CE9178"/>
                 </a:solidFill>
@@ -45926,7 +45272,7 @@
               <a:t>en</a:t>
             </a:r>
             <a:r>
-              <a:rPr lang="en-US" dirty="0">
+              <a:rPr lang="en-US" sz="1200" dirty="0">
                 <a:solidFill>
                   <a:srgbClr val="CE9178"/>
                 </a:solidFill>
@@ -45935,7 +45281,7 @@
               <a:t>"</a:t>
             </a:r>
             <a:r>
-              <a:rPr lang="en-US" dirty="0">
+              <a:rPr lang="en-US" sz="1200" dirty="0">
                 <a:solidFill>
                   <a:srgbClr val="808080"/>
                 </a:solidFill>
@@ -45946,7 +45292,7 @@
           </a:p>
           <a:p>
             <a:r>
-              <a:rPr lang="en-US" dirty="0">
+              <a:rPr lang="en-US" sz="1200" dirty="0">
                 <a:solidFill>
                   <a:srgbClr val="808080"/>
                 </a:solidFill>
@@ -45955,7 +45301,7 @@
               <a:t>     &lt;</a:t>
             </a:r>
             <a:r>
-              <a:rPr lang="en-US" dirty="0">
+              <a:rPr lang="en-US" sz="1200" dirty="0">
                 <a:solidFill>
                   <a:srgbClr val="569CD6"/>
                 </a:solidFill>
@@ -45964,7 +45310,7 @@
               <a:t>head</a:t>
             </a:r>
             <a:r>
-              <a:rPr lang="en-US" dirty="0">
+              <a:rPr lang="en-US" sz="1200" dirty="0">
                 <a:solidFill>
                   <a:srgbClr val="808080"/>
                 </a:solidFill>
@@ -45975,7 +45321,7 @@
           </a:p>
           <a:p>
             <a:r>
-              <a:rPr lang="en-US" dirty="0">
+              <a:rPr lang="en-US" sz="1200" dirty="0">
                 <a:solidFill>
                   <a:srgbClr val="808080"/>
                 </a:solidFill>
@@ -45984,7 +45330,7 @@
               <a:t>	</a:t>
             </a:r>
             <a:r>
-              <a:rPr lang="en-US" dirty="0">
+              <a:rPr lang="en-US" sz="1200" dirty="0">
                 <a:solidFill>
                   <a:srgbClr val="808080"/>
                 </a:solidFill>
@@ -45994,7 +45340,7 @@
               <a:t>&lt;</a:t>
             </a:r>
             <a:r>
-              <a:rPr lang="en-US" dirty="0">
+              <a:rPr lang="en-US" sz="1200" dirty="0">
                 <a:solidFill>
                   <a:srgbClr val="569CD6"/>
                 </a:solidFill>
@@ -46004,7 +45350,7 @@
               <a:t>meta</a:t>
             </a:r>
             <a:r>
-              <a:rPr lang="en-US" dirty="0">
+              <a:rPr lang="en-US" sz="1200" dirty="0">
                 <a:solidFill>
                   <a:srgbClr val="FFFFFF"/>
                 </a:solidFill>
@@ -46014,7 +45360,7 @@
               <a:t> </a:t>
             </a:r>
             <a:r>
-              <a:rPr lang="en-US" dirty="0">
+              <a:rPr lang="en-US" sz="1200" dirty="0">
                 <a:solidFill>
                   <a:srgbClr val="9CDCFE"/>
                 </a:solidFill>
@@ -46024,14 +45370,14 @@
               <a:t>charset</a:t>
             </a:r>
             <a:r>
-              <a:rPr lang="en-US" dirty="0">
+              <a:rPr lang="en-US" sz="1200" dirty="0">
                 <a:latin typeface="Consolas" panose="020B0609020204030204" pitchFamily="49" charset="0"/>
                 <a:cs typeface="Angsana New" panose="02020603050405020304" pitchFamily="18" charset="-34"/>
               </a:rPr>
               <a:t>=</a:t>
             </a:r>
             <a:r>
-              <a:rPr lang="en-US" dirty="0">
+              <a:rPr lang="en-US" sz="1200" dirty="0">
                 <a:solidFill>
                   <a:srgbClr val="CE9178"/>
                 </a:solidFill>
@@ -46041,7 +45387,7 @@
               <a:t>"UTF-8"</a:t>
             </a:r>
             <a:r>
-              <a:rPr lang="en-US" dirty="0">
+              <a:rPr lang="en-US" sz="1200" dirty="0">
                 <a:solidFill>
                   <a:srgbClr val="808080"/>
                 </a:solidFill>
@@ -46050,7 +45396,7 @@
               </a:rPr>
               <a:t>&gt;</a:t>
             </a:r>
-            <a:endParaRPr lang="en-US" dirty="0">
+            <a:endParaRPr lang="en-US" sz="1200" dirty="0">
               <a:solidFill>
                 <a:srgbClr val="808080"/>
               </a:solidFill>
@@ -46059,7 +45405,7 @@
           </a:p>
           <a:p>
             <a:r>
-              <a:rPr lang="en-US" dirty="0">
+              <a:rPr lang="en-US" sz="1200" dirty="0">
                 <a:solidFill>
                   <a:srgbClr val="808080"/>
                 </a:solidFill>
@@ -46068,7 +45414,7 @@
               <a:t> 	</a:t>
             </a:r>
             <a:r>
-              <a:rPr lang="en-US" dirty="0">
+              <a:rPr lang="en-US" sz="1200" dirty="0">
                 <a:solidFill>
                   <a:srgbClr val="808080"/>
                 </a:solidFill>
@@ -46078,7 +45424,7 @@
               <a:t> </a:t>
             </a:r>
             <a:r>
-              <a:rPr lang="en-US" dirty="0">
+              <a:rPr lang="en-US" sz="1200" dirty="0">
                 <a:solidFill>
                   <a:srgbClr val="808080"/>
                 </a:solidFill>
@@ -46088,7 +45434,7 @@
               <a:t>&lt;</a:t>
             </a:r>
             <a:r>
-              <a:rPr lang="en-US" dirty="0">
+              <a:rPr lang="en-US" sz="1200" dirty="0">
                 <a:solidFill>
                   <a:srgbClr val="569CD6"/>
                 </a:solidFill>
@@ -46098,7 +45444,7 @@
               <a:t>title</a:t>
             </a:r>
             <a:r>
-              <a:rPr lang="en-US" dirty="0">
+              <a:rPr lang="en-US" sz="1200" dirty="0">
                 <a:solidFill>
                   <a:srgbClr val="808080"/>
                 </a:solidFill>
@@ -46108,7 +45454,7 @@
               <a:t>&gt;HTML5 &amp; CSS3&lt;/</a:t>
             </a:r>
             <a:r>
-              <a:rPr lang="en-US" dirty="0">
+              <a:rPr lang="en-US" sz="1200" dirty="0">
                 <a:solidFill>
                   <a:srgbClr val="569CD6"/>
                 </a:solidFill>
@@ -46118,7 +45464,7 @@
               <a:t>title</a:t>
             </a:r>
             <a:r>
-              <a:rPr lang="en-US" dirty="0">
+              <a:rPr lang="en-US" sz="1200" dirty="0">
                 <a:solidFill>
                   <a:srgbClr val="808080"/>
                 </a:solidFill>
@@ -46128,7 +45474,7 @@
               <a:t>&gt;</a:t>
             </a:r>
             <a:r>
-              <a:rPr lang="en-US" dirty="0">
+              <a:rPr lang="en-US" sz="1200" dirty="0">
                 <a:solidFill>
                   <a:srgbClr val="FFFFFF"/>
                 </a:solidFill>
@@ -46137,7 +45483,268 @@
               </a:rPr>
               <a:t> </a:t>
             </a:r>
-            <a:endParaRPr lang="en-US" dirty="0">
+            <a:endParaRPr lang="th-TH" sz="1200" dirty="0">
+              <a:solidFill>
+                <a:srgbClr val="FFFFFF"/>
+              </a:solidFill>
+              <a:latin typeface="Consolas" panose="020B0609020204030204" pitchFamily="49" charset="0"/>
+              <a:cs typeface="Angsana New" panose="02020603050405020304" pitchFamily="18" charset="-34"/>
+            </a:endParaRPr>
+          </a:p>
+          <a:p>
+            <a:r>
+              <a:rPr lang="th-TH" sz="1200" dirty="0">
+                <a:solidFill>
+                  <a:srgbClr val="808080"/>
+                </a:solidFill>
+                <a:latin typeface="Consolas" panose="020B0609020204030204" pitchFamily="49" charset="0"/>
+                <a:cs typeface="Angsana New" panose="02020603050405020304" pitchFamily="18" charset="-34"/>
+              </a:rPr>
+              <a:t>	</a:t>
+            </a:r>
+            <a:r>
+              <a:rPr lang="en-US" sz="1200" dirty="0">
+                <a:solidFill>
+                  <a:srgbClr val="808080"/>
+                </a:solidFill>
+                <a:latin typeface="Consolas" panose="020B0609020204030204" pitchFamily="49" charset="0"/>
+                <a:cs typeface="Angsana New" panose="02020603050405020304" pitchFamily="18" charset="-34"/>
+              </a:rPr>
+              <a:t>&lt;</a:t>
+            </a:r>
+            <a:r>
+              <a:rPr lang="en-US" sz="1200" dirty="0">
+                <a:solidFill>
+                  <a:srgbClr val="569CD6"/>
+                </a:solidFill>
+                <a:latin typeface="Consolas" panose="020B0609020204030204" pitchFamily="49" charset="0"/>
+                <a:cs typeface="Angsana New" panose="02020603050405020304" pitchFamily="18" charset="-34"/>
+              </a:rPr>
+              <a:t>script</a:t>
+            </a:r>
+            <a:r>
+              <a:rPr lang="th-TH" sz="1200" dirty="0">
+                <a:solidFill>
+                  <a:srgbClr val="569CD6"/>
+                </a:solidFill>
+                <a:latin typeface="Consolas" panose="020B0609020204030204" pitchFamily="49" charset="0"/>
+                <a:cs typeface="Angsana New" panose="02020603050405020304" pitchFamily="18" charset="-34"/>
+              </a:rPr>
+              <a:t>  </a:t>
+            </a:r>
+            <a:r>
+              <a:rPr lang="en-US" sz="1200" dirty="0">
+                <a:solidFill>
+                  <a:srgbClr val="9CDCFE"/>
+                </a:solidFill>
+                <a:latin typeface="Consolas" panose="020B0609020204030204" pitchFamily="49" charset="0"/>
+                <a:cs typeface="Angsana New" panose="02020603050405020304" pitchFamily="18" charset="-34"/>
+              </a:rPr>
+              <a:t>async</a:t>
+            </a:r>
+            <a:r>
+              <a:rPr lang="en-US" sz="1200" dirty="0">
+                <a:solidFill>
+                  <a:srgbClr val="569CD6"/>
+                </a:solidFill>
+                <a:latin typeface="Consolas" panose="020B0609020204030204" pitchFamily="49" charset="0"/>
+                <a:cs typeface="Angsana New" panose="02020603050405020304" pitchFamily="18" charset="-34"/>
+              </a:rPr>
+              <a:t> </a:t>
+            </a:r>
+            <a:r>
+              <a:rPr lang="en-US" sz="1200" dirty="0" err="1">
+                <a:solidFill>
+                  <a:srgbClr val="9CDCFE"/>
+                </a:solidFill>
+                <a:latin typeface="Consolas" panose="020B0609020204030204" pitchFamily="49" charset="0"/>
+                <a:cs typeface="Angsana New" panose="02020603050405020304" pitchFamily="18" charset="-34"/>
+              </a:rPr>
+              <a:t>src</a:t>
+            </a:r>
+            <a:r>
+              <a:rPr lang="en-US" sz="1200" dirty="0">
+                <a:solidFill>
+                  <a:srgbClr val="569CD6"/>
+                </a:solidFill>
+                <a:latin typeface="Consolas" panose="020B0609020204030204" pitchFamily="49" charset="0"/>
+                <a:cs typeface="Angsana New" panose="02020603050405020304" pitchFamily="18" charset="-34"/>
+              </a:rPr>
+              <a:t>="</a:t>
+            </a:r>
+            <a:r>
+              <a:rPr lang="en-US" sz="1200" dirty="0">
+                <a:solidFill>
+                  <a:srgbClr val="CE9178"/>
+                </a:solidFill>
+                <a:latin typeface="Consolas" panose="020B0609020204030204" pitchFamily="49" charset="0"/>
+                <a:cs typeface="Angsana New" panose="02020603050405020304" pitchFamily="18" charset="-34"/>
+              </a:rPr>
+              <a:t>function.js</a:t>
+            </a:r>
+            <a:r>
+              <a:rPr lang="en-US" sz="1200" dirty="0">
+                <a:solidFill>
+                  <a:srgbClr val="569CD6"/>
+                </a:solidFill>
+                <a:latin typeface="Consolas" panose="020B0609020204030204" pitchFamily="49" charset="0"/>
+                <a:cs typeface="Angsana New" panose="02020603050405020304" pitchFamily="18" charset="-34"/>
+              </a:rPr>
+              <a:t>"</a:t>
+            </a:r>
+            <a:r>
+              <a:rPr lang="en-US" sz="1200" dirty="0">
+                <a:solidFill>
+                  <a:srgbClr val="808080"/>
+                </a:solidFill>
+                <a:latin typeface="Consolas" panose="020B0609020204030204" pitchFamily="49" charset="0"/>
+                <a:cs typeface="Angsana New" panose="02020603050405020304" pitchFamily="18" charset="-34"/>
+              </a:rPr>
+              <a:t>&gt;&lt;/</a:t>
+            </a:r>
+            <a:r>
+              <a:rPr lang="en-US" sz="1200" dirty="0">
+                <a:solidFill>
+                  <a:srgbClr val="569CD6"/>
+                </a:solidFill>
+                <a:latin typeface="Consolas" panose="020B0609020204030204" pitchFamily="49" charset="0"/>
+                <a:cs typeface="Angsana New" panose="02020603050405020304" pitchFamily="18" charset="-34"/>
+              </a:rPr>
+              <a:t>script</a:t>
+            </a:r>
+            <a:r>
+              <a:rPr lang="th-TH" sz="1200" dirty="0">
+                <a:solidFill>
+                  <a:srgbClr val="569CD6"/>
+                </a:solidFill>
+                <a:latin typeface="Consolas" panose="020B0609020204030204" pitchFamily="49" charset="0"/>
+                <a:cs typeface="Angsana New" panose="02020603050405020304" pitchFamily="18" charset="-34"/>
+              </a:rPr>
+              <a:t> </a:t>
+            </a:r>
+            <a:r>
+              <a:rPr lang="en-US" sz="1200" dirty="0">
+                <a:solidFill>
+                  <a:srgbClr val="808080"/>
+                </a:solidFill>
+                <a:latin typeface="Consolas" panose="020B0609020204030204" pitchFamily="49" charset="0"/>
+                <a:cs typeface="Angsana New" panose="02020603050405020304" pitchFamily="18" charset="-34"/>
+              </a:rPr>
+              <a:t>&gt;</a:t>
+            </a:r>
+          </a:p>
+          <a:p>
+            <a:r>
+              <a:rPr lang="en-US" sz="1200" dirty="0">
+                <a:solidFill>
+                  <a:srgbClr val="808080"/>
+                </a:solidFill>
+                <a:latin typeface="Consolas" panose="020B0609020204030204" pitchFamily="49" charset="0"/>
+                <a:cs typeface="Angsana New" panose="02020603050405020304" pitchFamily="18" charset="-34"/>
+              </a:rPr>
+              <a:t>	&lt;</a:t>
+            </a:r>
+            <a:r>
+              <a:rPr lang="en-US" sz="1200" dirty="0">
+                <a:solidFill>
+                  <a:srgbClr val="569CD6"/>
+                </a:solidFill>
+                <a:latin typeface="Consolas" panose="020B0609020204030204" pitchFamily="49" charset="0"/>
+                <a:cs typeface="Angsana New" panose="02020603050405020304" pitchFamily="18" charset="-34"/>
+              </a:rPr>
+              <a:t>link </a:t>
+            </a:r>
+            <a:r>
+              <a:rPr lang="en-US" sz="1200" dirty="0" err="1">
+                <a:solidFill>
+                  <a:srgbClr val="9CDCFE"/>
+                </a:solidFill>
+                <a:latin typeface="Consolas" panose="020B0609020204030204" pitchFamily="49" charset="0"/>
+                <a:cs typeface="Angsana New" panose="02020603050405020304" pitchFamily="18" charset="-34"/>
+              </a:rPr>
+              <a:t>rel</a:t>
+            </a:r>
+            <a:r>
+              <a:rPr lang="en-US" sz="1200" dirty="0">
+                <a:solidFill>
+                  <a:srgbClr val="569CD6"/>
+                </a:solidFill>
+                <a:latin typeface="Consolas" panose="020B0609020204030204" pitchFamily="49" charset="0"/>
+                <a:cs typeface="Angsana New" panose="02020603050405020304" pitchFamily="18" charset="-34"/>
+              </a:rPr>
+              <a:t>="</a:t>
+            </a:r>
+            <a:r>
+              <a:rPr lang="en-US" sz="1200" dirty="0">
+                <a:solidFill>
+                  <a:srgbClr val="CE9178"/>
+                </a:solidFill>
+                <a:latin typeface="Consolas" panose="020B0609020204030204" pitchFamily="49" charset="0"/>
+                <a:cs typeface="Angsana New" panose="02020603050405020304" pitchFamily="18" charset="-34"/>
+              </a:rPr>
+              <a:t>stylesheet</a:t>
+            </a:r>
+            <a:r>
+              <a:rPr lang="en-US" sz="1200" dirty="0">
+                <a:solidFill>
+                  <a:srgbClr val="569CD6"/>
+                </a:solidFill>
+                <a:latin typeface="Consolas" panose="020B0609020204030204" pitchFamily="49" charset="0"/>
+                <a:cs typeface="Angsana New" panose="02020603050405020304" pitchFamily="18" charset="-34"/>
+              </a:rPr>
+              <a:t>" </a:t>
+            </a:r>
+            <a:r>
+              <a:rPr lang="en-US" sz="1200" dirty="0" err="1">
+                <a:solidFill>
+                  <a:srgbClr val="9CDCFE"/>
+                </a:solidFill>
+                <a:latin typeface="Consolas" panose="020B0609020204030204" pitchFamily="49" charset="0"/>
+                <a:cs typeface="Angsana New" panose="02020603050405020304" pitchFamily="18" charset="-34"/>
+              </a:rPr>
+              <a:t>href</a:t>
+            </a:r>
+            <a:r>
+              <a:rPr lang="en-US" sz="1200" dirty="0">
+                <a:solidFill>
+                  <a:srgbClr val="569CD6"/>
+                </a:solidFill>
+                <a:latin typeface="Consolas" panose="020B0609020204030204" pitchFamily="49" charset="0"/>
+                <a:cs typeface="Angsana New" panose="02020603050405020304" pitchFamily="18" charset="-34"/>
+              </a:rPr>
+              <a:t>="</a:t>
+            </a:r>
+            <a:r>
+              <a:rPr lang="en-US" sz="1200" dirty="0">
+                <a:solidFill>
+                  <a:srgbClr val="CE9178"/>
+                </a:solidFill>
+                <a:latin typeface="Consolas" panose="020B0609020204030204" pitchFamily="49" charset="0"/>
+                <a:cs typeface="Angsana New" panose="02020603050405020304" pitchFamily="18" charset="-34"/>
+              </a:rPr>
+              <a:t>styles.css</a:t>
+            </a:r>
+            <a:r>
+              <a:rPr lang="en-US" sz="1200" dirty="0">
+                <a:solidFill>
+                  <a:srgbClr val="569CD6"/>
+                </a:solidFill>
+                <a:latin typeface="Consolas" panose="020B0609020204030204" pitchFamily="49" charset="0"/>
+                <a:cs typeface="Angsana New" panose="02020603050405020304" pitchFamily="18" charset="-34"/>
+              </a:rPr>
+              <a:t>"</a:t>
+            </a:r>
+            <a:r>
+              <a:rPr lang="en-US" sz="1200" dirty="0">
+                <a:solidFill>
+                  <a:srgbClr val="808080"/>
+                </a:solidFill>
+                <a:latin typeface="Consolas" panose="020B0609020204030204" pitchFamily="49" charset="0"/>
+                <a:cs typeface="Angsana New" panose="02020603050405020304" pitchFamily="18" charset="-34"/>
+              </a:rPr>
+              <a:t>&gt;</a:t>
+            </a:r>
+            <a:endParaRPr lang="en-US" sz="1200" dirty="0">
               <a:solidFill>
                 <a:srgbClr val="808080"/>
               </a:solidFill>
@@ -46146,7 +45753,7 @@
           </a:p>
           <a:p>
             <a:r>
-              <a:rPr lang="en-US" dirty="0">
+              <a:rPr lang="en-US" sz="1200" dirty="0">
                 <a:solidFill>
                   <a:srgbClr val="808080"/>
                 </a:solidFill>
@@ -46155,7 +45762,7 @@
               <a:t>     &lt;/</a:t>
             </a:r>
             <a:r>
-              <a:rPr lang="en-US" dirty="0">
+              <a:rPr lang="en-US" sz="1200" dirty="0">
                 <a:solidFill>
                   <a:srgbClr val="569CD6"/>
                 </a:solidFill>
@@ -46164,7 +45771,7 @@
               <a:t>head</a:t>
             </a:r>
             <a:r>
-              <a:rPr lang="en-US" dirty="0">
+              <a:rPr lang="en-US" sz="1200" dirty="0">
                 <a:solidFill>
                   <a:srgbClr val="808080"/>
                 </a:solidFill>
@@ -46173,7 +45780,7 @@
               <a:t>&gt;</a:t>
             </a:r>
             <a:r>
-              <a:rPr lang="en-US" dirty="0">
+              <a:rPr lang="en-US" sz="1200" dirty="0">
                 <a:solidFill>
                   <a:srgbClr val="569CD6"/>
                 </a:solidFill>
@@ -46181,7 +45788,7 @@
               </a:rPr>
               <a:t> </a:t>
             </a:r>
-            <a:endParaRPr lang="en-US" dirty="0">
+            <a:endParaRPr lang="en-US" sz="1200" dirty="0">
               <a:solidFill>
                 <a:srgbClr val="FFFFFF"/>
               </a:solidFill>
@@ -46190,7 +45797,7 @@
           </a:p>
           <a:p>
             <a:r>
-              <a:rPr lang="en-US" dirty="0">
+              <a:rPr lang="en-US" sz="1200" dirty="0">
                 <a:solidFill>
                   <a:srgbClr val="808080"/>
                 </a:solidFill>
@@ -46199,7 +45806,7 @@
               <a:t>     &lt;</a:t>
             </a:r>
             <a:r>
-              <a:rPr lang="en-US" dirty="0">
+              <a:rPr lang="en-US" sz="1200" dirty="0">
                 <a:solidFill>
                   <a:srgbClr val="569CD6"/>
                 </a:solidFill>
@@ -46208,7 +45815,7 @@
               <a:t>body</a:t>
             </a:r>
             <a:r>
-              <a:rPr lang="en-US" dirty="0">
+              <a:rPr lang="en-US" sz="1200" dirty="0">
                 <a:solidFill>
                   <a:srgbClr val="808080"/>
                 </a:solidFill>
@@ -46219,7 +45826,7 @@
           </a:p>
           <a:p>
             <a:r>
-              <a:rPr lang="en-US" dirty="0">
+              <a:rPr lang="en-US" sz="1200" dirty="0">
                 <a:solidFill>
                   <a:srgbClr val="808080"/>
                 </a:solidFill>
@@ -46228,7 +45835,7 @@
               <a:t> 	</a:t>
             </a:r>
             <a:r>
-              <a:rPr lang="th-TH" dirty="0">
+              <a:rPr lang="th-TH" sz="1200" dirty="0">
                 <a:solidFill>
                   <a:srgbClr val="808080"/>
                 </a:solidFill>
@@ -46237,7 +45844,7 @@
               <a:t>ประกอบด้วย </a:t>
             </a:r>
             <a:r>
-              <a:rPr lang="en-US" dirty="0">
+              <a:rPr lang="en-US" sz="1200" dirty="0">
                 <a:solidFill>
                   <a:srgbClr val="808080"/>
                 </a:solidFill>
@@ -46246,7 +45853,7 @@
               <a:t>Tag </a:t>
             </a:r>
             <a:r>
-              <a:rPr lang="th-TH" dirty="0">
+              <a:rPr lang="th-TH" sz="1200" dirty="0">
                 <a:solidFill>
                   <a:srgbClr val="808080"/>
                 </a:solidFill>
@@ -46254,7 +45861,7 @@
               </a:rPr>
               <a:t>มากมายตามลักษณะของข้อมูล ที่ต้องการนำเสนอ</a:t>
             </a:r>
-            <a:endParaRPr lang="en-US" dirty="0">
+            <a:endParaRPr lang="en-US" sz="1200" dirty="0">
               <a:solidFill>
                 <a:srgbClr val="808080"/>
               </a:solidFill>
@@ -46263,7 +45870,7 @@
           </a:p>
           <a:p>
             <a:r>
-              <a:rPr lang="en-US" dirty="0">
+              <a:rPr lang="en-US" sz="1200" dirty="0">
                 <a:solidFill>
                   <a:srgbClr val="808080"/>
                 </a:solidFill>
@@ -46272,7 +45879,7 @@
               <a:t>	</a:t>
             </a:r>
             <a:r>
-              <a:rPr lang="th-TH" dirty="0">
+              <a:rPr lang="th-TH" sz="1200" dirty="0">
                 <a:solidFill>
                   <a:srgbClr val="808080"/>
                 </a:solidFill>
@@ -46281,7 +45888,7 @@
               <a:t>เช่น </a:t>
             </a:r>
             <a:r>
-              <a:rPr lang="en-US" dirty="0">
+              <a:rPr lang="en-US" sz="1200" dirty="0">
                 <a:solidFill>
                   <a:srgbClr val="808080"/>
                 </a:solidFill>
@@ -46290,7 +45897,7 @@
               <a:t>&lt;</a:t>
             </a:r>
             <a:r>
-              <a:rPr lang="en-US" dirty="0">
+              <a:rPr lang="en-US" sz="1200" dirty="0">
                 <a:solidFill>
                   <a:srgbClr val="569CD6"/>
                 </a:solidFill>
@@ -46299,7 +45906,7 @@
               <a:t>header</a:t>
             </a:r>
             <a:r>
-              <a:rPr lang="en-US" dirty="0">
+              <a:rPr lang="en-US" sz="1200" dirty="0">
                 <a:solidFill>
                   <a:srgbClr val="808080"/>
                 </a:solidFill>
@@ -46308,7 +45915,7 @@
               <a:t>&gt;..&lt;/</a:t>
             </a:r>
             <a:r>
-              <a:rPr lang="en-US" dirty="0">
+              <a:rPr lang="en-US" sz="1200" dirty="0">
                 <a:solidFill>
                   <a:srgbClr val="569CD6"/>
                 </a:solidFill>
@@ -46317,7 +45924,7 @@
               <a:t>header</a:t>
             </a:r>
             <a:r>
-              <a:rPr lang="en-US" dirty="0">
+              <a:rPr lang="en-US" sz="1200" dirty="0">
                 <a:solidFill>
                   <a:srgbClr val="808080"/>
                 </a:solidFill>
@@ -46326,7 +45933,7 @@
               <a:t>&gt; , &lt;</a:t>
             </a:r>
             <a:r>
-              <a:rPr lang="en-US" dirty="0">
+              <a:rPr lang="en-US" sz="1200" dirty="0">
                 <a:solidFill>
                   <a:srgbClr val="569CD6"/>
                 </a:solidFill>
@@ -46335,7 +45942,7 @@
               <a:t>nav</a:t>
             </a:r>
             <a:r>
-              <a:rPr lang="en-US" dirty="0">
+              <a:rPr lang="en-US" sz="1200" dirty="0">
                 <a:solidFill>
                   <a:srgbClr val="808080"/>
                 </a:solidFill>
@@ -46344,7 +45951,7 @@
               <a:t>&gt;..&lt;/</a:t>
             </a:r>
             <a:r>
-              <a:rPr lang="en-US" dirty="0">
+              <a:rPr lang="en-US" sz="1200" dirty="0">
                 <a:solidFill>
                   <a:srgbClr val="569CD6"/>
                 </a:solidFill>
@@ -46353,7 +45960,7 @@
               <a:t>nav</a:t>
             </a:r>
             <a:r>
-              <a:rPr lang="en-US" dirty="0">
+              <a:rPr lang="en-US" sz="1200" dirty="0">
                 <a:solidFill>
                   <a:srgbClr val="808080"/>
                 </a:solidFill>
@@ -46364,7 +45971,7 @@
           </a:p>
           <a:p>
             <a:r>
-              <a:rPr lang="en-US" dirty="0">
+              <a:rPr lang="en-US" sz="1200" dirty="0">
                 <a:solidFill>
                   <a:srgbClr val="808080"/>
                 </a:solidFill>
@@ -46373,7 +45980,7 @@
               <a:t>	&lt;</a:t>
             </a:r>
             <a:r>
-              <a:rPr lang="en-US" dirty="0">
+              <a:rPr lang="en-US" sz="1200" dirty="0">
                 <a:solidFill>
                   <a:srgbClr val="569CD6"/>
                 </a:solidFill>
@@ -46382,7 +45989,7 @@
               <a:t>aside</a:t>
             </a:r>
             <a:r>
-              <a:rPr lang="en-US" dirty="0">
+              <a:rPr lang="en-US" sz="1200" dirty="0">
                 <a:solidFill>
                   <a:srgbClr val="808080"/>
                 </a:solidFill>
@@ -46391,7 +45998,7 @@
               <a:t>&gt;..&lt;/</a:t>
             </a:r>
             <a:r>
-              <a:rPr lang="en-US" dirty="0">
+              <a:rPr lang="en-US" sz="1200" dirty="0">
                 <a:solidFill>
                   <a:srgbClr val="569CD6"/>
                 </a:solidFill>
@@ -46400,7 +46007,7 @@
               <a:t>aside</a:t>
             </a:r>
             <a:r>
-              <a:rPr lang="en-US" dirty="0">
+              <a:rPr lang="en-US" sz="1200" dirty="0">
                 <a:solidFill>
                   <a:srgbClr val="808080"/>
                 </a:solidFill>
@@ -46409,7 +46016,7 @@
               <a:t>&gt; , &lt;</a:t>
             </a:r>
             <a:r>
-              <a:rPr lang="en-US" dirty="0">
+              <a:rPr lang="en-US" sz="1200" dirty="0">
                 <a:solidFill>
                   <a:srgbClr val="569CD6"/>
                 </a:solidFill>
@@ -46418,7 +46025,7 @@
               <a:t>main</a:t>
             </a:r>
             <a:r>
-              <a:rPr lang="en-US" dirty="0">
+              <a:rPr lang="en-US" sz="1200" dirty="0">
                 <a:solidFill>
                   <a:srgbClr val="808080"/>
                 </a:solidFill>
@@ -46427,7 +46034,7 @@
               <a:t>&gt;..&lt;/</a:t>
             </a:r>
             <a:r>
-              <a:rPr lang="en-US" dirty="0">
+              <a:rPr lang="en-US" sz="1200" dirty="0">
                 <a:solidFill>
                   <a:srgbClr val="569CD6"/>
                 </a:solidFill>
@@ -46436,7 +46043,7 @@
               <a:t>main</a:t>
             </a:r>
             <a:r>
-              <a:rPr lang="en-US" dirty="0">
+              <a:rPr lang="en-US" sz="1200" dirty="0">
                 <a:solidFill>
                   <a:srgbClr val="808080"/>
                 </a:solidFill>
@@ -46445,7 +46052,7 @@
               <a:t>&gt; ,&lt;</a:t>
             </a:r>
             <a:r>
-              <a:rPr lang="en-US" dirty="0">
+              <a:rPr lang="en-US" sz="1200" dirty="0">
                 <a:solidFill>
                   <a:srgbClr val="569CD6"/>
                 </a:solidFill>
@@ -46454,7 +46061,7 @@
               <a:t>footer</a:t>
             </a:r>
             <a:r>
-              <a:rPr lang="en-US" dirty="0">
+              <a:rPr lang="en-US" sz="1200" dirty="0">
                 <a:solidFill>
                   <a:srgbClr val="808080"/>
                 </a:solidFill>
@@ -46463,7 +46070,7 @@
               <a:t>&gt;..&lt;/</a:t>
             </a:r>
             <a:r>
-              <a:rPr lang="en-US" dirty="0">
+              <a:rPr lang="en-US" sz="1200" dirty="0">
                 <a:solidFill>
                   <a:srgbClr val="569CD6"/>
                 </a:solidFill>
@@ -46472,7 +46079,7 @@
               <a:t>footer</a:t>
             </a:r>
             <a:r>
-              <a:rPr lang="en-US" dirty="0">
+              <a:rPr lang="en-US" sz="1200" dirty="0">
                 <a:solidFill>
                   <a:srgbClr val="808080"/>
                 </a:solidFill>
@@ -46483,7 +46090,7 @@
           </a:p>
           <a:p>
             <a:r>
-              <a:rPr lang="en-US" dirty="0">
+              <a:rPr lang="en-US" sz="1200" dirty="0">
                 <a:solidFill>
                   <a:srgbClr val="808080"/>
                 </a:solidFill>
@@ -46492,7 +46099,7 @@
               <a:t>	</a:t>
             </a:r>
             <a:r>
-              <a:rPr lang="th-TH" dirty="0">
+              <a:rPr lang="th-TH" sz="1200" dirty="0">
                 <a:solidFill>
                   <a:srgbClr val="808080"/>
                 </a:solidFill>
@@ -46501,7 +46108,7 @@
               <a:t>ที่กำหนดส่วนหลักๆ ของหน้าแสดงผล และใน </a:t>
             </a:r>
             <a:r>
-              <a:rPr lang="en-US" dirty="0">
+              <a:rPr lang="en-US" sz="1200" dirty="0">
                 <a:solidFill>
                   <a:srgbClr val="808080"/>
                 </a:solidFill>
@@ -46510,7 +46117,7 @@
               <a:t>Tag Element </a:t>
             </a:r>
             <a:r>
-              <a:rPr lang="th-TH" dirty="0">
+              <a:rPr lang="th-TH" sz="1200" dirty="0">
                 <a:solidFill>
                   <a:srgbClr val="808080"/>
                 </a:solidFill>
@@ -46521,7 +46128,7 @@
           </a:p>
           <a:p>
             <a:r>
-              <a:rPr lang="th-TH" dirty="0">
+              <a:rPr lang="th-TH" sz="1200" dirty="0">
                 <a:solidFill>
                   <a:srgbClr val="808080"/>
                 </a:solidFill>
@@ -46530,7 +46137,7 @@
               <a:t>	ก็จะมี </a:t>
             </a:r>
             <a:r>
-              <a:rPr lang="en-US" dirty="0">
+              <a:rPr lang="en-US" sz="1200" dirty="0">
                 <a:solidFill>
                   <a:srgbClr val="808080"/>
                 </a:solidFill>
@@ -46539,7 +46146,7 @@
               <a:t>Tag </a:t>
             </a:r>
             <a:r>
-              <a:rPr lang="th-TH" dirty="0">
+              <a:rPr lang="th-TH" sz="1200" dirty="0">
                 <a:solidFill>
                   <a:srgbClr val="808080"/>
                 </a:solidFill>
@@ -46548,7 +46155,7 @@
               <a:t>ย่อยให้ใช้อีก เช่น </a:t>
             </a:r>
             <a:r>
-              <a:rPr lang="en-US" dirty="0">
+              <a:rPr lang="en-US" sz="1200" dirty="0">
                 <a:solidFill>
                   <a:srgbClr val="808080"/>
                 </a:solidFill>
@@ -46557,7 +46164,7 @@
               <a:t>&lt;</a:t>
             </a:r>
             <a:r>
-              <a:rPr lang="en-US" dirty="0">
+              <a:rPr lang="en-US" sz="1200" dirty="0">
                 <a:solidFill>
                   <a:srgbClr val="569CD6"/>
                 </a:solidFill>
@@ -46566,7 +46173,7 @@
               <a:t>div</a:t>
             </a:r>
             <a:r>
-              <a:rPr lang="en-US" dirty="0">
+              <a:rPr lang="en-US" sz="1200" dirty="0">
                 <a:solidFill>
                   <a:srgbClr val="808080"/>
                 </a:solidFill>
@@ -46575,7 +46182,7 @@
               <a:t>&gt;, &lt;</a:t>
             </a:r>
             <a:r>
-              <a:rPr lang="en-US" dirty="0">
+              <a:rPr lang="en-US" sz="1200" dirty="0">
                 <a:solidFill>
                   <a:srgbClr val="569CD6"/>
                 </a:solidFill>
@@ -46584,7 +46191,7 @@
               <a:t>h1</a:t>
             </a:r>
             <a:r>
-              <a:rPr lang="en-US" dirty="0">
+              <a:rPr lang="en-US" sz="1200" dirty="0">
                 <a:solidFill>
                   <a:srgbClr val="808080"/>
                 </a:solidFill>
@@ -46593,7 +46200,7 @@
               <a:t>&gt;-&lt;</a:t>
             </a:r>
             <a:r>
-              <a:rPr lang="en-US" dirty="0">
+              <a:rPr lang="en-US" sz="1200" dirty="0">
                 <a:solidFill>
                   <a:srgbClr val="569CD6"/>
                 </a:solidFill>
@@ -46602,7 +46209,7 @@
               <a:t>h6</a:t>
             </a:r>
             <a:r>
-              <a:rPr lang="en-US" dirty="0">
+              <a:rPr lang="en-US" sz="1200" dirty="0">
                 <a:solidFill>
                   <a:srgbClr val="808080"/>
                 </a:solidFill>
@@ -46611,7 +46218,7 @@
               <a:t>&gt;,&lt;</a:t>
             </a:r>
             <a:r>
-              <a:rPr lang="en-US" dirty="0">
+              <a:rPr lang="en-US" sz="1200" dirty="0">
                 <a:solidFill>
                   <a:srgbClr val="569CD6"/>
                 </a:solidFill>
@@ -46620,7 +46227,7 @@
               <a:t>input</a:t>
             </a:r>
             <a:r>
-              <a:rPr lang="en-US" dirty="0">
+              <a:rPr lang="en-US" sz="1200" dirty="0">
                 <a:solidFill>
                   <a:srgbClr val="808080"/>
                 </a:solidFill>
@@ -46629,7 +46236,7 @@
               <a:t>&gt;,&lt;</a:t>
             </a:r>
             <a:r>
-              <a:rPr lang="en-US" dirty="0">
+              <a:rPr lang="en-US" sz="1200" dirty="0">
                 <a:solidFill>
                   <a:srgbClr val="569CD6"/>
                 </a:solidFill>
@@ -46638,7 +46245,7 @@
               <a:t>label</a:t>
             </a:r>
             <a:r>
-              <a:rPr lang="en-US" dirty="0">
+              <a:rPr lang="en-US" sz="1200" dirty="0">
                 <a:solidFill>
                   <a:srgbClr val="808080"/>
                 </a:solidFill>
@@ -46646,7 +46253,7 @@
               </a:rPr>
               <a:t>&gt;</a:t>
             </a:r>
-            <a:endParaRPr lang="th-TH" dirty="0">
+            <a:endParaRPr lang="th-TH" sz="1200" dirty="0">
               <a:solidFill>
                 <a:srgbClr val="808080"/>
               </a:solidFill>
@@ -46655,7 +46262,7 @@
           </a:p>
           <a:p>
             <a:r>
-              <a:rPr lang="th-TH" dirty="0">
+              <a:rPr lang="th-TH" sz="1200" dirty="0">
                 <a:solidFill>
                   <a:srgbClr val="808080"/>
                 </a:solidFill>
@@ -46664,7 +46271,7 @@
               <a:t>	</a:t>
             </a:r>
             <a:r>
-              <a:rPr lang="en-US" dirty="0">
+              <a:rPr lang="en-US" sz="1200" dirty="0">
                 <a:solidFill>
                   <a:srgbClr val="808080"/>
                 </a:solidFill>
@@ -46673,7 +46280,7 @@
               <a:t>,&lt;</a:t>
             </a:r>
             <a:r>
-              <a:rPr lang="en-US" dirty="0">
+              <a:rPr lang="en-US" sz="1200" dirty="0">
                 <a:solidFill>
                   <a:srgbClr val="569CD6"/>
                 </a:solidFill>
@@ -46682,7 +46289,7 @@
               <a:t>span</a:t>
             </a:r>
             <a:r>
-              <a:rPr lang="en-US" dirty="0">
+              <a:rPr lang="en-US" sz="1200" dirty="0">
                 <a:solidFill>
                   <a:srgbClr val="808080"/>
                 </a:solidFill>
@@ -46691,7 +46298,7 @@
               <a:t>&gt;,&lt;</a:t>
             </a:r>
             <a:r>
-              <a:rPr lang="en-US" dirty="0">
+              <a:rPr lang="en-US" sz="1200" dirty="0">
                 <a:solidFill>
                   <a:srgbClr val="569CD6"/>
                 </a:solidFill>
@@ -46700,7 +46307,7 @@
               <a:t>form</a:t>
             </a:r>
             <a:r>
-              <a:rPr lang="en-US" dirty="0">
+              <a:rPr lang="en-US" sz="1200" dirty="0">
                 <a:solidFill>
                   <a:srgbClr val="808080"/>
                 </a:solidFill>
@@ -46709,7 +46316,7 @@
               <a:t>&gt;,&lt;</a:t>
             </a:r>
             <a:r>
-              <a:rPr lang="en-US" dirty="0">
+              <a:rPr lang="en-US" sz="1200" dirty="0">
                 <a:solidFill>
                   <a:srgbClr val="569CD6"/>
                 </a:solidFill>
@@ -46718,7 +46325,7 @@
               <a:t>table</a:t>
             </a:r>
             <a:r>
-              <a:rPr lang="en-US" dirty="0">
+              <a:rPr lang="en-US" sz="1200" dirty="0">
                 <a:solidFill>
                   <a:srgbClr val="808080"/>
                 </a:solidFill>
@@ -46727,7 +46334,7 @@
               <a:t>&gt; </a:t>
             </a:r>
             <a:r>
-              <a:rPr lang="th-TH" dirty="0">
+              <a:rPr lang="th-TH" sz="1200" dirty="0">
                 <a:solidFill>
                   <a:srgbClr val="808080"/>
                 </a:solidFill>
@@ -46736,7 +46343,7 @@
               <a:t>และ</a:t>
             </a:r>
             <a:r>
-              <a:rPr lang="th-TH" dirty="0" err="1">
+              <a:rPr lang="th-TH" sz="1200" dirty="0" err="1">
                 <a:solidFill>
                   <a:srgbClr val="808080"/>
                 </a:solidFill>
@@ -46745,7 +46352,7 @@
               <a:t>อื่นๆ</a:t>
             </a:r>
             <a:r>
-              <a:rPr lang="th-TH" dirty="0">
+              <a:rPr lang="th-TH" sz="1200" dirty="0">
                 <a:solidFill>
                   <a:srgbClr val="808080"/>
                 </a:solidFill>
@@ -46753,7 +46360,7 @@
               </a:rPr>
               <a:t> อีกเยอะมาก</a:t>
             </a:r>
-            <a:endParaRPr lang="en-US" dirty="0">
+            <a:endParaRPr lang="en-US" sz="1200" dirty="0">
               <a:solidFill>
                 <a:srgbClr val="808080"/>
               </a:solidFill>
@@ -46762,7 +46369,7 @@
           </a:p>
           <a:p>
             <a:r>
-              <a:rPr lang="en-US" dirty="0">
+              <a:rPr lang="en-US" sz="1200" dirty="0">
                 <a:solidFill>
                   <a:srgbClr val="808080"/>
                 </a:solidFill>
@@ -46771,7 +46378,7 @@
               <a:t>     &lt;/</a:t>
             </a:r>
             <a:r>
-              <a:rPr lang="en-US" dirty="0">
+              <a:rPr lang="en-US" sz="1200" dirty="0">
                 <a:solidFill>
                   <a:srgbClr val="569CD6"/>
                 </a:solidFill>
@@ -46780,7 +46387,7 @@
               <a:t>body</a:t>
             </a:r>
             <a:r>
-              <a:rPr lang="en-US" dirty="0">
+              <a:rPr lang="en-US" sz="1200" dirty="0">
                 <a:solidFill>
                   <a:srgbClr val="808080"/>
                 </a:solidFill>
@@ -46791,7 +46398,7 @@
           </a:p>
           <a:p>
             <a:r>
-              <a:rPr lang="en-US" dirty="0">
+              <a:rPr lang="en-US" sz="1200" dirty="0">
                 <a:solidFill>
                   <a:srgbClr val="808080"/>
                 </a:solidFill>
@@ -46800,7 +46407,7 @@
               <a:t>&lt;/</a:t>
             </a:r>
             <a:r>
-              <a:rPr lang="en-US" dirty="0">
+              <a:rPr lang="en-US" sz="1200" dirty="0">
                 <a:solidFill>
                   <a:srgbClr val="569CD6"/>
                 </a:solidFill>
@@ -46808,7 +46415,7 @@
               </a:rPr>
               <a:t>html&gt;</a:t>
             </a:r>
-            <a:endParaRPr lang="en-US" dirty="0"/>
+            <a:endParaRPr lang="en-US" sz="1200" dirty="0"/>
           </a:p>
         </p:txBody>
       </p:sp>
